--- a/Mockup.pptx
+++ b/Mockup.pptx
@@ -22,6 +22,7 @@
     <p:sldId id="273" r:id="rId16"/>
     <p:sldId id="274" r:id="rId17"/>
     <p:sldId id="264" r:id="rId18"/>
+    <p:sldId id="275" r:id="rId19"/>
   </p:sldIdLst>
   <p:sldSz cx="6858000" cy="9906000" type="A4"/>
   <p:notesSz cx="6858000" cy="9144000"/>
@@ -331,7 +332,7 @@
           <a:p>
             <a:fld id="{D64B3271-3423-4682-8196-9C5C90F352AB}" type="datetimeFigureOut">
               <a:rPr lang="fr-FR" smtClean="0"/>
-              <a:t>16/03/2021</a:t>
+              <a:t>17/03/2021</a:t>
             </a:fld>
             <a:endParaRPr lang="fr-FR"/>
           </a:p>
@@ -501,7 +502,7 @@
           <a:p>
             <a:fld id="{D64B3271-3423-4682-8196-9C5C90F352AB}" type="datetimeFigureOut">
               <a:rPr lang="fr-FR" smtClean="0"/>
-              <a:t>16/03/2021</a:t>
+              <a:t>17/03/2021</a:t>
             </a:fld>
             <a:endParaRPr lang="fr-FR"/>
           </a:p>
@@ -681,7 +682,7 @@
           <a:p>
             <a:fld id="{D64B3271-3423-4682-8196-9C5C90F352AB}" type="datetimeFigureOut">
               <a:rPr lang="fr-FR" smtClean="0"/>
-              <a:t>16/03/2021</a:t>
+              <a:t>17/03/2021</a:t>
             </a:fld>
             <a:endParaRPr lang="fr-FR"/>
           </a:p>
@@ -851,7 +852,7 @@
           <a:p>
             <a:fld id="{D64B3271-3423-4682-8196-9C5C90F352AB}" type="datetimeFigureOut">
               <a:rPr lang="fr-FR" smtClean="0"/>
-              <a:t>16/03/2021</a:t>
+              <a:t>17/03/2021</a:t>
             </a:fld>
             <a:endParaRPr lang="fr-FR"/>
           </a:p>
@@ -1095,7 +1096,7 @@
           <a:p>
             <a:fld id="{D64B3271-3423-4682-8196-9C5C90F352AB}" type="datetimeFigureOut">
               <a:rPr lang="fr-FR" smtClean="0"/>
-              <a:t>16/03/2021</a:t>
+              <a:t>17/03/2021</a:t>
             </a:fld>
             <a:endParaRPr lang="fr-FR"/>
           </a:p>
@@ -1327,7 +1328,7 @@
           <a:p>
             <a:fld id="{D64B3271-3423-4682-8196-9C5C90F352AB}" type="datetimeFigureOut">
               <a:rPr lang="fr-FR" smtClean="0"/>
-              <a:t>16/03/2021</a:t>
+              <a:t>17/03/2021</a:t>
             </a:fld>
             <a:endParaRPr lang="fr-FR"/>
           </a:p>
@@ -1694,7 +1695,7 @@
           <a:p>
             <a:fld id="{D64B3271-3423-4682-8196-9C5C90F352AB}" type="datetimeFigureOut">
               <a:rPr lang="fr-FR" smtClean="0"/>
-              <a:t>16/03/2021</a:t>
+              <a:t>17/03/2021</a:t>
             </a:fld>
             <a:endParaRPr lang="fr-FR"/>
           </a:p>
@@ -1812,7 +1813,7 @@
           <a:p>
             <a:fld id="{D64B3271-3423-4682-8196-9C5C90F352AB}" type="datetimeFigureOut">
               <a:rPr lang="fr-FR" smtClean="0"/>
-              <a:t>16/03/2021</a:t>
+              <a:t>17/03/2021</a:t>
             </a:fld>
             <a:endParaRPr lang="fr-FR"/>
           </a:p>
@@ -1907,7 +1908,7 @@
           <a:p>
             <a:fld id="{D64B3271-3423-4682-8196-9C5C90F352AB}" type="datetimeFigureOut">
               <a:rPr lang="fr-FR" smtClean="0"/>
-              <a:t>16/03/2021</a:t>
+              <a:t>17/03/2021</a:t>
             </a:fld>
             <a:endParaRPr lang="fr-FR"/>
           </a:p>
@@ -2184,7 +2185,7 @@
           <a:p>
             <a:fld id="{D64B3271-3423-4682-8196-9C5C90F352AB}" type="datetimeFigureOut">
               <a:rPr lang="fr-FR" smtClean="0"/>
-              <a:t>16/03/2021</a:t>
+              <a:t>17/03/2021</a:t>
             </a:fld>
             <a:endParaRPr lang="fr-FR"/>
           </a:p>
@@ -2441,7 +2442,7 @@
           <a:p>
             <a:fld id="{D64B3271-3423-4682-8196-9C5C90F352AB}" type="datetimeFigureOut">
               <a:rPr lang="fr-FR" smtClean="0"/>
-              <a:t>16/03/2021</a:t>
+              <a:t>17/03/2021</a:t>
             </a:fld>
             <a:endParaRPr lang="fr-FR"/>
           </a:p>
@@ -2654,7 +2655,7 @@
           <a:p>
             <a:fld id="{D64B3271-3423-4682-8196-9C5C90F352AB}" type="datetimeFigureOut">
               <a:rPr lang="fr-FR" smtClean="0"/>
-              <a:t>16/03/2021</a:t>
+              <a:t>17/03/2021</a:t>
             </a:fld>
             <a:endParaRPr lang="fr-FR"/>
           </a:p>
@@ -9225,7 +9226,7 @@
             <p:spPr>
               <a:xfrm>
                 <a:off x="6049139" y="247852"/>
-                <a:ext cx="808863" cy="523220"/>
+                <a:ext cx="808863" cy="307777"/>
               </a:xfrm>
               <a:prstGeom prst="rect">
                 <a:avLst/>
@@ -9238,22 +9239,6 @@
               </a:bodyPr>
               <a:lstStyle/>
               <a:p>
-                <a:r>
-                  <a:rPr lang="fr-FR" sz="1400" u="sng" dirty="0" err="1">
-                    <a:solidFill>
-                      <a:schemeClr val="bg1"/>
-                    </a:solidFill>
-                  </a:rPr>
-                  <a:t>Sign</a:t>
-                </a:r>
-                <a:r>
-                  <a:rPr lang="fr-FR" sz="1400" u="sng" dirty="0">
-                    <a:solidFill>
-                      <a:schemeClr val="bg1"/>
-                    </a:solidFill>
-                  </a:rPr>
-                  <a:t> in/ </a:t>
-                </a:r>
                 <a:r>
                   <a:rPr lang="fr-FR" sz="1400" u="sng" dirty="0" err="1">
                     <a:solidFill>
@@ -11108,7 +11093,7 @@
             <p:spPr>
               <a:xfrm>
                 <a:off x="6049139" y="247852"/>
-                <a:ext cx="808863" cy="523220"/>
+                <a:ext cx="808863" cy="307777"/>
               </a:xfrm>
               <a:prstGeom prst="rect">
                 <a:avLst/>
@@ -11121,22 +11106,6 @@
               </a:bodyPr>
               <a:lstStyle/>
               <a:p>
-                <a:r>
-                  <a:rPr lang="fr-FR" sz="1400" u="sng" dirty="0" err="1">
-                    <a:solidFill>
-                      <a:schemeClr val="bg1"/>
-                    </a:solidFill>
-                  </a:rPr>
-                  <a:t>Sign</a:t>
-                </a:r>
-                <a:r>
-                  <a:rPr lang="fr-FR" sz="1400" u="sng" dirty="0">
-                    <a:solidFill>
-                      <a:schemeClr val="bg1"/>
-                    </a:solidFill>
-                  </a:rPr>
-                  <a:t> in/ </a:t>
-                </a:r>
                 <a:r>
                   <a:rPr lang="fr-FR" sz="1400" u="sng" dirty="0" err="1">
                     <a:solidFill>
@@ -12717,7 +12686,7 @@
             <p:spPr>
               <a:xfrm>
                 <a:off x="6049139" y="247852"/>
-                <a:ext cx="808863" cy="523220"/>
+                <a:ext cx="808863" cy="307777"/>
               </a:xfrm>
               <a:prstGeom prst="rect">
                 <a:avLst/>
@@ -12730,22 +12699,6 @@
               </a:bodyPr>
               <a:lstStyle/>
               <a:p>
-                <a:r>
-                  <a:rPr lang="fr-FR" sz="1400" u="sng" dirty="0" err="1">
-                    <a:solidFill>
-                      <a:schemeClr val="bg1"/>
-                    </a:solidFill>
-                  </a:rPr>
-                  <a:t>Sign</a:t>
-                </a:r>
-                <a:r>
-                  <a:rPr lang="fr-FR" sz="1400" u="sng" dirty="0">
-                    <a:solidFill>
-                      <a:schemeClr val="bg1"/>
-                    </a:solidFill>
-                  </a:rPr>
-                  <a:t> in/ </a:t>
-                </a:r>
                 <a:r>
                   <a:rPr lang="fr-FR" sz="1400" u="sng" dirty="0" err="1">
                     <a:solidFill>
@@ -15054,7 +15007,7 @@
             <p:spPr>
               <a:xfrm>
                 <a:off x="6049139" y="247852"/>
-                <a:ext cx="808863" cy="523220"/>
+                <a:ext cx="808863" cy="307777"/>
               </a:xfrm>
               <a:prstGeom prst="rect">
                 <a:avLst/>
@@ -15067,22 +15020,6 @@
               </a:bodyPr>
               <a:lstStyle/>
               <a:p>
-                <a:r>
-                  <a:rPr lang="fr-FR" sz="1400" u="sng" dirty="0" err="1">
-                    <a:solidFill>
-                      <a:schemeClr val="bg1"/>
-                    </a:solidFill>
-                  </a:rPr>
-                  <a:t>Sign</a:t>
-                </a:r>
-                <a:r>
-                  <a:rPr lang="fr-FR" sz="1400" u="sng" dirty="0">
-                    <a:solidFill>
-                      <a:schemeClr val="bg1"/>
-                    </a:solidFill>
-                  </a:rPr>
-                  <a:t> in/ </a:t>
-                </a:r>
                 <a:r>
                   <a:rPr lang="fr-FR" sz="1400" u="sng" dirty="0" err="1">
                     <a:solidFill>
@@ -16671,7 +16608,7 @@
             <p:spPr>
               <a:xfrm>
                 <a:off x="6049139" y="247852"/>
-                <a:ext cx="808863" cy="523220"/>
+                <a:ext cx="808863" cy="307777"/>
               </a:xfrm>
               <a:prstGeom prst="rect">
                 <a:avLst/>
@@ -16684,22 +16621,6 @@
               </a:bodyPr>
               <a:lstStyle/>
               <a:p>
-                <a:r>
-                  <a:rPr lang="fr-FR" sz="1400" u="sng" dirty="0" err="1">
-                    <a:solidFill>
-                      <a:schemeClr val="bg1"/>
-                    </a:solidFill>
-                  </a:rPr>
-                  <a:t>Sign</a:t>
-                </a:r>
-                <a:r>
-                  <a:rPr lang="fr-FR" sz="1400" u="sng" dirty="0">
-                    <a:solidFill>
-                      <a:schemeClr val="bg1"/>
-                    </a:solidFill>
-                  </a:rPr>
-                  <a:t> in/ </a:t>
-                </a:r>
                 <a:r>
                   <a:rPr lang="fr-FR" sz="1400" u="sng" dirty="0" err="1">
                     <a:solidFill>
@@ -17626,6 +17547,1293 @@
     <p:extLst>
       <p:ext uri="{BB962C8B-B14F-4D97-AF65-F5344CB8AC3E}">
         <p14:creationId xmlns:p14="http://schemas.microsoft.com/office/powerpoint/2010/main" val="2479738507"/>
+      </p:ext>
+    </p:extLst>
+  </p:cSld>
+  <p:clrMapOvr>
+    <a:masterClrMapping/>
+  </p:clrMapOvr>
+</p:sld>
+</file>
+
+<file path=ppt/slides/slide18.xml><?xml version="1.0" encoding="utf-8"?>
+<p:sld xmlns:a="http://schemas.openxmlformats.org/drawingml/2006/main" xmlns:r="http://schemas.openxmlformats.org/officeDocument/2006/relationships" xmlns:p="http://schemas.openxmlformats.org/presentationml/2006/main">
+  <p:cSld>
+    <p:bg>
+      <p:bgPr>
+        <a:solidFill>
+          <a:srgbClr val="EEF2F8"/>
+        </a:solidFill>
+        <a:effectLst/>
+      </p:bgPr>
+    </p:bg>
+    <p:spTree>
+      <p:nvGrpSpPr>
+        <p:cNvPr id="1" name=""/>
+        <p:cNvGrpSpPr/>
+        <p:nvPr/>
+      </p:nvGrpSpPr>
+      <p:grpSpPr>
+        <a:xfrm>
+          <a:off x="0" y="0"/>
+          <a:ext cx="0" cy="0"/>
+          <a:chOff x="0" y="0"/>
+          <a:chExt cx="0" cy="0"/>
+        </a:xfrm>
+      </p:grpSpPr>
+      <p:sp>
+        <p:nvSpPr>
+          <p:cNvPr id="5" name="Rectangle 4">
+            <a:extLst>
+              <a:ext uri="{FF2B5EF4-FFF2-40B4-BE49-F238E27FC236}">
+                <a16:creationId xmlns:a16="http://schemas.microsoft.com/office/drawing/2014/main" id="{96D92C9F-BB2B-4CF3-8798-5AB7C61E2073}"/>
+              </a:ext>
+            </a:extLst>
+          </p:cNvPr>
+          <p:cNvSpPr/>
+          <p:nvPr/>
+        </p:nvSpPr>
+        <p:spPr>
+          <a:xfrm>
+            <a:off x="0" y="8979408"/>
+            <a:ext cx="6858000" cy="926592"/>
+          </a:xfrm>
+          <a:prstGeom prst="rect">
+            <a:avLst/>
+          </a:prstGeom>
+          <a:solidFill>
+            <a:srgbClr val="353E4E"/>
+          </a:solidFill>
+          <a:ln>
+            <a:solidFill>
+              <a:srgbClr val="353E4E"/>
+            </a:solidFill>
+          </a:ln>
+        </p:spPr>
+        <p:style>
+          <a:lnRef idx="2">
+            <a:schemeClr val="accent1">
+              <a:shade val="50000"/>
+            </a:schemeClr>
+          </a:lnRef>
+          <a:fillRef idx="1">
+            <a:schemeClr val="accent1"/>
+          </a:fillRef>
+          <a:effectRef idx="0">
+            <a:schemeClr val="accent1"/>
+          </a:effectRef>
+          <a:fontRef idx="minor">
+            <a:schemeClr val="lt1"/>
+          </a:fontRef>
+        </p:style>
+        <p:txBody>
+          <a:bodyPr rtlCol="0" anchor="ctr"/>
+          <a:lstStyle/>
+          <a:p>
+            <a:pPr algn="ctr"/>
+            <a:endParaRPr lang="fr-FR"/>
+          </a:p>
+        </p:txBody>
+      </p:sp>
+      <p:sp>
+        <p:nvSpPr>
+          <p:cNvPr id="6" name="ZoneTexte 5">
+            <a:extLst>
+              <a:ext uri="{FF2B5EF4-FFF2-40B4-BE49-F238E27FC236}">
+                <a16:creationId xmlns:a16="http://schemas.microsoft.com/office/drawing/2014/main" id="{AB5858A4-FB41-4A05-AA64-58C67B8090FA}"/>
+              </a:ext>
+            </a:extLst>
+          </p:cNvPr>
+          <p:cNvSpPr txBox="1"/>
+          <p:nvPr/>
+        </p:nvSpPr>
+        <p:spPr>
+          <a:xfrm>
+            <a:off x="195072" y="8979410"/>
+            <a:ext cx="1194816" cy="954107"/>
+          </a:xfrm>
+          <a:prstGeom prst="rect">
+            <a:avLst/>
+          </a:prstGeom>
+          <a:noFill/>
+        </p:spPr>
+        <p:txBody>
+          <a:bodyPr wrap="square" rtlCol="0">
+            <a:spAutoFit/>
+          </a:bodyPr>
+          <a:lstStyle/>
+          <a:p>
+            <a:r>
+              <a:rPr lang="fr-FR" sz="1400" dirty="0">
+                <a:solidFill>
+                  <a:schemeClr val="bg1"/>
+                </a:solidFill>
+              </a:rPr>
+              <a:t>Contact</a:t>
+            </a:r>
+          </a:p>
+          <a:p>
+            <a:r>
+              <a:rPr lang="fr-FR" sz="1400" dirty="0">
+                <a:solidFill>
+                  <a:schemeClr val="bg1"/>
+                </a:solidFill>
+              </a:rPr>
+              <a:t>-</a:t>
+            </a:r>
+          </a:p>
+          <a:p>
+            <a:r>
+              <a:rPr lang="fr-FR" sz="1400" dirty="0">
+                <a:solidFill>
+                  <a:schemeClr val="bg1"/>
+                </a:solidFill>
+              </a:rPr>
+              <a:t>-</a:t>
+            </a:r>
+          </a:p>
+          <a:p>
+            <a:r>
+              <a:rPr lang="fr-FR" sz="1400" dirty="0">
+                <a:solidFill>
+                  <a:schemeClr val="bg1"/>
+                </a:solidFill>
+              </a:rPr>
+              <a:t>-</a:t>
+            </a:r>
+          </a:p>
+        </p:txBody>
+      </p:sp>
+      <p:sp>
+        <p:nvSpPr>
+          <p:cNvPr id="7" name="ZoneTexte 6">
+            <a:extLst>
+              <a:ext uri="{FF2B5EF4-FFF2-40B4-BE49-F238E27FC236}">
+                <a16:creationId xmlns:a16="http://schemas.microsoft.com/office/drawing/2014/main" id="{FA463B53-EDD0-48E8-81C1-BE55F4926CFC}"/>
+              </a:ext>
+            </a:extLst>
+          </p:cNvPr>
+          <p:cNvSpPr txBox="1"/>
+          <p:nvPr/>
+        </p:nvSpPr>
+        <p:spPr>
+          <a:xfrm>
+            <a:off x="5468112" y="9134928"/>
+            <a:ext cx="1194816" cy="523220"/>
+          </a:xfrm>
+          <a:prstGeom prst="rect">
+            <a:avLst/>
+          </a:prstGeom>
+          <a:noFill/>
+        </p:spPr>
+        <p:txBody>
+          <a:bodyPr wrap="square" rtlCol="0">
+            <a:spAutoFit/>
+          </a:bodyPr>
+          <a:lstStyle/>
+          <a:p>
+            <a:r>
+              <a:rPr lang="fr-FR" sz="1400" dirty="0">
+                <a:solidFill>
+                  <a:schemeClr val="bg1"/>
+                </a:solidFill>
+              </a:rPr>
+              <a:t>Mentions légales</a:t>
+            </a:r>
+          </a:p>
+        </p:txBody>
+      </p:sp>
+      <p:grpSp>
+        <p:nvGrpSpPr>
+          <p:cNvPr id="58" name="Groupe 57">
+            <a:extLst>
+              <a:ext uri="{FF2B5EF4-FFF2-40B4-BE49-F238E27FC236}">
+                <a16:creationId xmlns:a16="http://schemas.microsoft.com/office/drawing/2014/main" id="{16CAFDA9-B99D-4316-912A-2988E9A70281}"/>
+              </a:ext>
+            </a:extLst>
+          </p:cNvPr>
+          <p:cNvGrpSpPr/>
+          <p:nvPr/>
+        </p:nvGrpSpPr>
+        <p:grpSpPr>
+          <a:xfrm>
+            <a:off x="0" y="-29806"/>
+            <a:ext cx="6858002" cy="843505"/>
+            <a:chOff x="0" y="-29806"/>
+            <a:chExt cx="6858002" cy="843505"/>
+          </a:xfrm>
+        </p:grpSpPr>
+        <p:grpSp>
+          <p:nvGrpSpPr>
+            <p:cNvPr id="59" name="Groupe 58">
+              <a:extLst>
+                <a:ext uri="{FF2B5EF4-FFF2-40B4-BE49-F238E27FC236}">
+                  <a16:creationId xmlns:a16="http://schemas.microsoft.com/office/drawing/2014/main" id="{9C5751DB-94A1-498D-8898-19ED9732C37B}"/>
+                </a:ext>
+              </a:extLst>
+            </p:cNvPr>
+            <p:cNvGrpSpPr/>
+            <p:nvPr/>
+          </p:nvGrpSpPr>
+          <p:grpSpPr>
+            <a:xfrm>
+              <a:off x="0" y="-29806"/>
+              <a:ext cx="6858002" cy="843505"/>
+              <a:chOff x="0" y="-29806"/>
+              <a:chExt cx="6858002" cy="843505"/>
+            </a:xfrm>
+          </p:grpSpPr>
+          <p:sp>
+            <p:nvSpPr>
+              <p:cNvPr id="61" name="Rectangle 60">
+                <a:extLst>
+                  <a:ext uri="{FF2B5EF4-FFF2-40B4-BE49-F238E27FC236}">
+                    <a16:creationId xmlns:a16="http://schemas.microsoft.com/office/drawing/2014/main" id="{DE642A64-75F6-4A1A-B0BE-5AC50A42AAA6}"/>
+                  </a:ext>
+                </a:extLst>
+              </p:cNvPr>
+              <p:cNvSpPr/>
+              <p:nvPr/>
+            </p:nvSpPr>
+            <p:spPr>
+              <a:xfrm>
+                <a:off x="0" y="-17360"/>
+                <a:ext cx="6858000" cy="831059"/>
+              </a:xfrm>
+              <a:prstGeom prst="rect">
+                <a:avLst/>
+              </a:prstGeom>
+              <a:solidFill>
+                <a:srgbClr val="353E4E"/>
+              </a:solidFill>
+              <a:ln>
+                <a:solidFill>
+                  <a:srgbClr val="353E4E"/>
+                </a:solidFill>
+              </a:ln>
+            </p:spPr>
+            <p:style>
+              <a:lnRef idx="2">
+                <a:schemeClr val="accent1">
+                  <a:shade val="50000"/>
+                </a:schemeClr>
+              </a:lnRef>
+              <a:fillRef idx="1">
+                <a:schemeClr val="accent1"/>
+              </a:fillRef>
+              <a:effectRef idx="0">
+                <a:schemeClr val="accent1"/>
+              </a:effectRef>
+              <a:fontRef idx="minor">
+                <a:schemeClr val="lt1"/>
+              </a:fontRef>
+            </p:style>
+            <p:txBody>
+              <a:bodyPr rtlCol="0" anchor="ctr"/>
+              <a:lstStyle/>
+              <a:p>
+                <a:pPr algn="ctr"/>
+                <a:endParaRPr lang="fr-FR"/>
+              </a:p>
+            </p:txBody>
+          </p:sp>
+          <p:sp>
+            <p:nvSpPr>
+              <p:cNvPr id="62" name="ZoneTexte 61">
+                <a:extLst>
+                  <a:ext uri="{FF2B5EF4-FFF2-40B4-BE49-F238E27FC236}">
+                    <a16:creationId xmlns:a16="http://schemas.microsoft.com/office/drawing/2014/main" id="{1BED65E3-E79C-474F-BF6A-D394F3E9A67D}"/>
+                  </a:ext>
+                </a:extLst>
+              </p:cNvPr>
+              <p:cNvSpPr txBox="1"/>
+              <p:nvPr/>
+            </p:nvSpPr>
+            <p:spPr>
+              <a:xfrm>
+                <a:off x="6049139" y="247852"/>
+                <a:ext cx="808863" cy="307777"/>
+              </a:xfrm>
+              <a:prstGeom prst="rect">
+                <a:avLst/>
+              </a:prstGeom>
+              <a:noFill/>
+            </p:spPr>
+            <p:txBody>
+              <a:bodyPr wrap="square" rtlCol="0">
+                <a:spAutoFit/>
+              </a:bodyPr>
+              <a:lstStyle/>
+              <a:p>
+                <a:r>
+                  <a:rPr lang="fr-FR" sz="1400" u="sng" dirty="0" err="1">
+                    <a:solidFill>
+                      <a:schemeClr val="bg1"/>
+                    </a:solidFill>
+                  </a:rPr>
+                  <a:t>Sign</a:t>
+                </a:r>
+                <a:r>
+                  <a:rPr lang="fr-FR" sz="1400" u="sng" dirty="0">
+                    <a:solidFill>
+                      <a:schemeClr val="bg1"/>
+                    </a:solidFill>
+                  </a:rPr>
+                  <a:t> out</a:t>
+                </a:r>
+              </a:p>
+            </p:txBody>
+          </p:sp>
+          <p:sp>
+            <p:nvSpPr>
+              <p:cNvPr id="63" name="ZoneTexte 62">
+                <a:extLst>
+                  <a:ext uri="{FF2B5EF4-FFF2-40B4-BE49-F238E27FC236}">
+                    <a16:creationId xmlns:a16="http://schemas.microsoft.com/office/drawing/2014/main" id="{4CCB0E76-3FD3-43F9-BC2B-0BF61CE7BF8D}"/>
+                  </a:ext>
+                </a:extLst>
+              </p:cNvPr>
+              <p:cNvSpPr txBox="1"/>
+              <p:nvPr/>
+            </p:nvSpPr>
+            <p:spPr>
+              <a:xfrm>
+                <a:off x="725814" y="218049"/>
+                <a:ext cx="1482606" cy="338554"/>
+              </a:xfrm>
+              <a:prstGeom prst="rect">
+                <a:avLst/>
+              </a:prstGeom>
+              <a:noFill/>
+            </p:spPr>
+            <p:txBody>
+              <a:bodyPr wrap="square" rtlCol="0">
+                <a:spAutoFit/>
+              </a:bodyPr>
+              <a:lstStyle/>
+              <a:p>
+                <a:r>
+                  <a:rPr lang="fr-FR" sz="1600" dirty="0">
+                    <a:solidFill>
+                      <a:schemeClr val="bg1"/>
+                    </a:solidFill>
+                    <a:latin typeface="Lucida Console" panose="020B0609040504020204" pitchFamily="49" charset="0"/>
+                  </a:rPr>
+                  <a:t>Stageman</a:t>
+                </a:r>
+              </a:p>
+            </p:txBody>
+          </p:sp>
+          <p:cxnSp>
+            <p:nvCxnSpPr>
+              <p:cNvPr id="64" name="Connecteur droit 63">
+                <a:extLst>
+                  <a:ext uri="{FF2B5EF4-FFF2-40B4-BE49-F238E27FC236}">
+                    <a16:creationId xmlns:a16="http://schemas.microsoft.com/office/drawing/2014/main" id="{28FD1773-742D-4B83-AD20-7313A67EFD8C}"/>
+                  </a:ext>
+                </a:extLst>
+              </p:cNvPr>
+              <p:cNvCxnSpPr>
+                <a:cxnSpLocks/>
+              </p:cNvCxnSpPr>
+              <p:nvPr/>
+            </p:nvCxnSpPr>
+            <p:spPr>
+              <a:xfrm>
+                <a:off x="1933575" y="-17360"/>
+                <a:ext cx="0" cy="831059"/>
+              </a:xfrm>
+              <a:prstGeom prst="line">
+                <a:avLst/>
+              </a:prstGeom>
+            </p:spPr>
+            <p:style>
+              <a:lnRef idx="1">
+                <a:schemeClr val="dk1"/>
+              </a:lnRef>
+              <a:fillRef idx="0">
+                <a:schemeClr val="dk1"/>
+              </a:fillRef>
+              <a:effectRef idx="0">
+                <a:schemeClr val="dk1"/>
+              </a:effectRef>
+              <a:fontRef idx="minor">
+                <a:schemeClr val="tx1"/>
+              </a:fontRef>
+            </p:style>
+          </p:cxnSp>
+          <p:pic>
+            <p:nvPicPr>
+              <p:cNvPr id="65" name="Image 64">
+                <a:extLst>
+                  <a:ext uri="{FF2B5EF4-FFF2-40B4-BE49-F238E27FC236}">
+                    <a16:creationId xmlns:a16="http://schemas.microsoft.com/office/drawing/2014/main" id="{D44CE4A7-BB13-4BB0-ADC6-832FB71306FC}"/>
+                  </a:ext>
+                </a:extLst>
+              </p:cNvPr>
+              <p:cNvPicPr>
+                <a:picLocks noChangeAspect="1"/>
+              </p:cNvPicPr>
+              <p:nvPr/>
+            </p:nvPicPr>
+            <p:blipFill>
+              <a:blip r:embed="rId2">
+                <a:lum bright="70000" contrast="-70000"/>
+                <a:extLst>
+                  <a:ext uri="{BEBA8EAE-BF5A-486C-A8C5-ECC9F3942E4B}">
+                    <a14:imgProps xmlns:a14="http://schemas.microsoft.com/office/drawing/2010/main">
+                      <a14:imgLayer r:embed="rId3">
+                        <a14:imgEffect>
+                          <a14:saturation sat="109000"/>
+                        </a14:imgEffect>
+                      </a14:imgLayer>
+                    </a14:imgProps>
+                  </a:ext>
+                  <a:ext uri="{28A0092B-C50C-407E-A947-70E740481C1C}">
+                    <a14:useLocalDpi xmlns:a14="http://schemas.microsoft.com/office/drawing/2010/main" val="0"/>
+                  </a:ext>
+                </a:extLst>
+              </a:blip>
+              <a:stretch>
+                <a:fillRect/>
+              </a:stretch>
+            </p:blipFill>
+            <p:spPr>
+              <a:xfrm>
+                <a:off x="5468111" y="244650"/>
+                <a:ext cx="385950" cy="385950"/>
+              </a:xfrm>
+              <a:prstGeom prst="rect">
+                <a:avLst/>
+              </a:prstGeom>
+            </p:spPr>
+          </p:pic>
+          <p:cxnSp>
+            <p:nvCxnSpPr>
+              <p:cNvPr id="66" name="Connecteur droit 65">
+                <a:extLst>
+                  <a:ext uri="{FF2B5EF4-FFF2-40B4-BE49-F238E27FC236}">
+                    <a16:creationId xmlns:a16="http://schemas.microsoft.com/office/drawing/2014/main" id="{75BA0AA7-A6A8-41F3-91B0-CD05116C0501}"/>
+                  </a:ext>
+                </a:extLst>
+              </p:cNvPr>
+              <p:cNvCxnSpPr>
+                <a:cxnSpLocks/>
+              </p:cNvCxnSpPr>
+              <p:nvPr/>
+            </p:nvCxnSpPr>
+            <p:spPr>
+              <a:xfrm>
+                <a:off x="6011037" y="-17360"/>
+                <a:ext cx="0" cy="831059"/>
+              </a:xfrm>
+              <a:prstGeom prst="line">
+                <a:avLst/>
+              </a:prstGeom>
+            </p:spPr>
+            <p:style>
+              <a:lnRef idx="1">
+                <a:schemeClr val="dk1"/>
+              </a:lnRef>
+              <a:fillRef idx="0">
+                <a:schemeClr val="dk1"/>
+              </a:fillRef>
+              <a:effectRef idx="0">
+                <a:schemeClr val="dk1"/>
+              </a:effectRef>
+              <a:fontRef idx="minor">
+                <a:schemeClr val="tx1"/>
+              </a:fontRef>
+            </p:style>
+          </p:cxnSp>
+          <p:cxnSp>
+            <p:nvCxnSpPr>
+              <p:cNvPr id="67" name="Connecteur droit 66">
+                <a:extLst>
+                  <a:ext uri="{FF2B5EF4-FFF2-40B4-BE49-F238E27FC236}">
+                    <a16:creationId xmlns:a16="http://schemas.microsoft.com/office/drawing/2014/main" id="{2B93B39D-18C0-4F5C-BDF0-A2A4D5D3627F}"/>
+                  </a:ext>
+                </a:extLst>
+              </p:cNvPr>
+              <p:cNvCxnSpPr>
+                <a:cxnSpLocks/>
+              </p:cNvCxnSpPr>
+              <p:nvPr/>
+            </p:nvCxnSpPr>
+            <p:spPr>
+              <a:xfrm>
+                <a:off x="5306187" y="-29806"/>
+                <a:ext cx="0" cy="843505"/>
+              </a:xfrm>
+              <a:prstGeom prst="line">
+                <a:avLst/>
+              </a:prstGeom>
+            </p:spPr>
+            <p:style>
+              <a:lnRef idx="1">
+                <a:schemeClr val="dk1"/>
+              </a:lnRef>
+              <a:fillRef idx="0">
+                <a:schemeClr val="dk1"/>
+              </a:fillRef>
+              <a:effectRef idx="0">
+                <a:schemeClr val="dk1"/>
+              </a:effectRef>
+              <a:fontRef idx="minor">
+                <a:schemeClr val="tx1"/>
+              </a:fontRef>
+            </p:style>
+          </p:cxnSp>
+          <p:sp>
+            <p:nvSpPr>
+              <p:cNvPr id="68" name="ZoneTexte 67">
+                <a:extLst>
+                  <a:ext uri="{FF2B5EF4-FFF2-40B4-BE49-F238E27FC236}">
+                    <a16:creationId xmlns:a16="http://schemas.microsoft.com/office/drawing/2014/main" id="{BF6535A6-4B76-427D-9B8F-DD82FCF77DD0}"/>
+                  </a:ext>
+                </a:extLst>
+              </p:cNvPr>
+              <p:cNvSpPr txBox="1"/>
+              <p:nvPr/>
+            </p:nvSpPr>
+            <p:spPr>
+              <a:xfrm>
+                <a:off x="1863727" y="141104"/>
+                <a:ext cx="1369807" cy="584775"/>
+              </a:xfrm>
+              <a:prstGeom prst="rect">
+                <a:avLst/>
+              </a:prstGeom>
+              <a:noFill/>
+            </p:spPr>
+            <p:txBody>
+              <a:bodyPr wrap="square" rtlCol="0">
+                <a:spAutoFit/>
+              </a:bodyPr>
+              <a:lstStyle/>
+              <a:p>
+                <a:pPr algn="ctr"/>
+                <a:r>
+                  <a:rPr lang="fr-FR" sz="1600" dirty="0">
+                    <a:solidFill>
+                      <a:schemeClr val="bg1"/>
+                    </a:solidFill>
+                  </a:rPr>
+                  <a:t>Mes candidatures</a:t>
+                </a:r>
+              </a:p>
+            </p:txBody>
+          </p:sp>
+          <p:cxnSp>
+            <p:nvCxnSpPr>
+              <p:cNvPr id="69" name="Connecteur droit 68">
+                <a:extLst>
+                  <a:ext uri="{FF2B5EF4-FFF2-40B4-BE49-F238E27FC236}">
+                    <a16:creationId xmlns:a16="http://schemas.microsoft.com/office/drawing/2014/main" id="{2AF273FA-EBB0-446F-BFCE-C429B732829B}"/>
+                  </a:ext>
+                </a:extLst>
+              </p:cNvPr>
+              <p:cNvCxnSpPr>
+                <a:cxnSpLocks/>
+              </p:cNvCxnSpPr>
+              <p:nvPr/>
+            </p:nvCxnSpPr>
+            <p:spPr>
+              <a:xfrm>
+                <a:off x="3192153" y="-29806"/>
+                <a:ext cx="0" cy="843505"/>
+              </a:xfrm>
+              <a:prstGeom prst="line">
+                <a:avLst/>
+              </a:prstGeom>
+            </p:spPr>
+            <p:style>
+              <a:lnRef idx="1">
+                <a:schemeClr val="dk1"/>
+              </a:lnRef>
+              <a:fillRef idx="0">
+                <a:schemeClr val="dk1"/>
+              </a:fillRef>
+              <a:effectRef idx="0">
+                <a:schemeClr val="dk1"/>
+              </a:effectRef>
+              <a:fontRef idx="minor">
+                <a:schemeClr val="tx1"/>
+              </a:fontRef>
+            </p:style>
+          </p:cxnSp>
+          <p:sp>
+            <p:nvSpPr>
+              <p:cNvPr id="70" name="ZoneTexte 69">
+                <a:extLst>
+                  <a:ext uri="{FF2B5EF4-FFF2-40B4-BE49-F238E27FC236}">
+                    <a16:creationId xmlns:a16="http://schemas.microsoft.com/office/drawing/2014/main" id="{7C5FB032-BD3B-4442-9175-3A809BBB65E2}"/>
+                  </a:ext>
+                </a:extLst>
+              </p:cNvPr>
+              <p:cNvSpPr txBox="1"/>
+              <p:nvPr/>
+            </p:nvSpPr>
+            <p:spPr>
+              <a:xfrm>
+                <a:off x="3197985" y="264212"/>
+                <a:ext cx="787406" cy="338554"/>
+              </a:xfrm>
+              <a:prstGeom prst="rect">
+                <a:avLst/>
+              </a:prstGeom>
+              <a:noFill/>
+            </p:spPr>
+            <p:txBody>
+              <a:bodyPr wrap="square" rtlCol="0">
+                <a:spAutoFit/>
+              </a:bodyPr>
+              <a:lstStyle/>
+              <a:p>
+                <a:pPr algn="ctr"/>
+                <a:r>
+                  <a:rPr lang="fr-FR" sz="1600" dirty="0">
+                    <a:solidFill>
+                      <a:schemeClr val="bg1"/>
+                    </a:solidFill>
+                  </a:rPr>
+                  <a:t>Créer</a:t>
+                </a:r>
+              </a:p>
+            </p:txBody>
+          </p:sp>
+          <p:cxnSp>
+            <p:nvCxnSpPr>
+              <p:cNvPr id="71" name="Connecteur droit 70">
+                <a:extLst>
+                  <a:ext uri="{FF2B5EF4-FFF2-40B4-BE49-F238E27FC236}">
+                    <a16:creationId xmlns:a16="http://schemas.microsoft.com/office/drawing/2014/main" id="{9C488E0B-336C-4D2A-9D3B-2A58D94081FA}"/>
+                  </a:ext>
+                </a:extLst>
+              </p:cNvPr>
+              <p:cNvCxnSpPr>
+                <a:cxnSpLocks/>
+              </p:cNvCxnSpPr>
+              <p:nvPr/>
+            </p:nvCxnSpPr>
+            <p:spPr>
+              <a:xfrm>
+                <a:off x="4175887" y="-17361"/>
+                <a:ext cx="0" cy="831060"/>
+              </a:xfrm>
+              <a:prstGeom prst="line">
+                <a:avLst/>
+              </a:prstGeom>
+            </p:spPr>
+            <p:style>
+              <a:lnRef idx="1">
+                <a:schemeClr val="dk1"/>
+              </a:lnRef>
+              <a:fillRef idx="0">
+                <a:schemeClr val="dk1"/>
+              </a:fillRef>
+              <a:effectRef idx="0">
+                <a:schemeClr val="dk1"/>
+              </a:effectRef>
+              <a:fontRef idx="minor">
+                <a:schemeClr val="tx1"/>
+              </a:fontRef>
+            </p:style>
+          </p:cxnSp>
+          <p:sp>
+            <p:nvSpPr>
+              <p:cNvPr id="72" name="Triangle isocèle 71">
+                <a:extLst>
+                  <a:ext uri="{FF2B5EF4-FFF2-40B4-BE49-F238E27FC236}">
+                    <a16:creationId xmlns:a16="http://schemas.microsoft.com/office/drawing/2014/main" id="{A1D44D04-4592-4E85-AF65-49F0CFFA79F2}"/>
+                  </a:ext>
+                </a:extLst>
+              </p:cNvPr>
+              <p:cNvSpPr/>
+              <p:nvPr/>
+            </p:nvSpPr>
+            <p:spPr>
+              <a:xfrm rot="10800000">
+                <a:off x="3894051" y="413300"/>
+                <a:ext cx="106180" cy="76998"/>
+              </a:xfrm>
+              <a:prstGeom prst="triangle">
+                <a:avLst/>
+              </a:prstGeom>
+              <a:solidFill>
+                <a:schemeClr val="bg1"/>
+              </a:solidFill>
+              <a:ln>
+                <a:solidFill>
+                  <a:schemeClr val="bg1"/>
+                </a:solidFill>
+              </a:ln>
+            </p:spPr>
+            <p:style>
+              <a:lnRef idx="2">
+                <a:schemeClr val="accent1">
+                  <a:shade val="50000"/>
+                </a:schemeClr>
+              </a:lnRef>
+              <a:fillRef idx="1">
+                <a:schemeClr val="accent1"/>
+              </a:fillRef>
+              <a:effectRef idx="0">
+                <a:schemeClr val="accent1"/>
+              </a:effectRef>
+              <a:fontRef idx="minor">
+                <a:schemeClr val="lt1"/>
+              </a:fontRef>
+            </p:style>
+            <p:txBody>
+              <a:bodyPr rtlCol="0" anchor="ctr"/>
+              <a:lstStyle/>
+              <a:p>
+                <a:pPr algn="ctr"/>
+                <a:endParaRPr lang="fr-FR"/>
+              </a:p>
+            </p:txBody>
+          </p:sp>
+          <p:sp>
+            <p:nvSpPr>
+              <p:cNvPr id="73" name="ZoneTexte 72">
+                <a:extLst>
+                  <a:ext uri="{FF2B5EF4-FFF2-40B4-BE49-F238E27FC236}">
+                    <a16:creationId xmlns:a16="http://schemas.microsoft.com/office/drawing/2014/main" id="{E15560E6-68E6-4C24-A89A-EAA89A93BCE1}"/>
+                  </a:ext>
+                </a:extLst>
+              </p:cNvPr>
+              <p:cNvSpPr txBox="1"/>
+              <p:nvPr/>
+            </p:nvSpPr>
+            <p:spPr>
+              <a:xfrm>
+                <a:off x="4280201" y="264212"/>
+                <a:ext cx="905384" cy="338554"/>
+              </a:xfrm>
+              <a:prstGeom prst="rect">
+                <a:avLst/>
+              </a:prstGeom>
+              <a:noFill/>
+            </p:spPr>
+            <p:txBody>
+              <a:bodyPr wrap="square" rtlCol="0">
+                <a:spAutoFit/>
+              </a:bodyPr>
+              <a:lstStyle/>
+              <a:p>
+                <a:pPr algn="ctr"/>
+                <a:r>
+                  <a:rPr lang="fr-FR" sz="1600" dirty="0">
+                    <a:solidFill>
+                      <a:schemeClr val="bg1"/>
+                    </a:solidFill>
+                  </a:rPr>
+                  <a:t>Profil</a:t>
+                </a:r>
+              </a:p>
+            </p:txBody>
+          </p:sp>
+        </p:grpSp>
+        <p:pic>
+          <p:nvPicPr>
+            <p:cNvPr id="60" name="Image 59">
+              <a:extLst>
+                <a:ext uri="{FF2B5EF4-FFF2-40B4-BE49-F238E27FC236}">
+                  <a16:creationId xmlns:a16="http://schemas.microsoft.com/office/drawing/2014/main" id="{8BA77B50-5614-4DA0-B537-06D5CC6FED1D}"/>
+                </a:ext>
+              </a:extLst>
+            </p:cNvPr>
+            <p:cNvPicPr>
+              <a:picLocks noChangeAspect="1"/>
+            </p:cNvPicPr>
+            <p:nvPr/>
+          </p:nvPicPr>
+          <p:blipFill>
+            <a:blip r:embed="rId4">
+              <a:extLst>
+                <a:ext uri="{28A0092B-C50C-407E-A947-70E740481C1C}">
+                  <a14:useLocalDpi xmlns:a14="http://schemas.microsoft.com/office/drawing/2010/main" val="0"/>
+                </a:ext>
+              </a:extLst>
+            </a:blip>
+            <a:stretch>
+              <a:fillRect/>
+            </a:stretch>
+          </p:blipFill>
+          <p:spPr>
+            <a:xfrm>
+              <a:off x="39131" y="11737"/>
+              <a:ext cx="721838" cy="759336"/>
+            </a:xfrm>
+            <a:prstGeom prst="rect">
+              <a:avLst/>
+            </a:prstGeom>
+          </p:spPr>
+        </p:pic>
+      </p:grpSp>
+      <p:pic>
+        <p:nvPicPr>
+          <p:cNvPr id="32" name="Picture 14" descr="Airbus logo : histoire, signification et évolution, symbole">
+            <a:extLst>
+              <a:ext uri="{FF2B5EF4-FFF2-40B4-BE49-F238E27FC236}">
+                <a16:creationId xmlns:a16="http://schemas.microsoft.com/office/drawing/2014/main" id="{8DFB91FA-75B3-498C-AE19-53DBF505AF4C}"/>
+              </a:ext>
+            </a:extLst>
+          </p:cNvPr>
+          <p:cNvPicPr>
+            <a:picLocks noChangeAspect="1" noChangeArrowheads="1"/>
+          </p:cNvPicPr>
+          <p:nvPr/>
+        </p:nvPicPr>
+        <p:blipFill rotWithShape="1">
+          <a:blip r:embed="rId5">
+            <a:extLst>
+              <a:ext uri="{28A0092B-C50C-407E-A947-70E740481C1C}">
+                <a14:useLocalDpi xmlns:a14="http://schemas.microsoft.com/office/drawing/2010/main" val="0"/>
+              </a:ext>
+            </a:extLst>
+          </a:blip>
+          <a:srcRect l="13899" r="15299"/>
+          <a:stretch/>
+        </p:blipFill>
+        <p:spPr bwMode="auto">
+          <a:xfrm>
+            <a:off x="585724" y="1320435"/>
+            <a:ext cx="1435169" cy="1140200"/>
+          </a:xfrm>
+          <a:prstGeom prst="rect">
+            <a:avLst/>
+          </a:prstGeom>
+          <a:noFill/>
+          <a:extLst>
+            <a:ext uri="{909E8E84-426E-40DD-AFC4-6F175D3DCCD1}">
+              <a14:hiddenFill xmlns:a14="http://schemas.microsoft.com/office/drawing/2010/main">
+                <a:solidFill>
+                  <a:srgbClr val="FFFFFF"/>
+                </a:solidFill>
+              </a14:hiddenFill>
+            </a:ext>
+          </a:extLst>
+        </p:spPr>
+      </p:pic>
+      <p:sp>
+        <p:nvSpPr>
+          <p:cNvPr id="2" name="Rectangle 1">
+            <a:extLst>
+              <a:ext uri="{FF2B5EF4-FFF2-40B4-BE49-F238E27FC236}">
+                <a16:creationId xmlns:a16="http://schemas.microsoft.com/office/drawing/2014/main" id="{C258AD75-8A99-4D86-98DB-44BD08977ECE}"/>
+              </a:ext>
+            </a:extLst>
+          </p:cNvPr>
+          <p:cNvSpPr/>
+          <p:nvPr/>
+        </p:nvSpPr>
+        <p:spPr>
+          <a:xfrm>
+            <a:off x="500380" y="1244359"/>
+            <a:ext cx="6138666" cy="1292352"/>
+          </a:xfrm>
+          <a:prstGeom prst="rect">
+            <a:avLst/>
+          </a:prstGeom>
+          <a:noFill/>
+          <a:ln w="38100">
+            <a:solidFill>
+              <a:schemeClr val="tx1"/>
+            </a:solidFill>
+          </a:ln>
+        </p:spPr>
+        <p:style>
+          <a:lnRef idx="2">
+            <a:schemeClr val="accent1">
+              <a:shade val="50000"/>
+            </a:schemeClr>
+          </a:lnRef>
+          <a:fillRef idx="1">
+            <a:schemeClr val="accent1"/>
+          </a:fillRef>
+          <a:effectRef idx="0">
+            <a:schemeClr val="accent1"/>
+          </a:effectRef>
+          <a:fontRef idx="minor">
+            <a:schemeClr val="lt1"/>
+          </a:fontRef>
+        </p:style>
+        <p:txBody>
+          <a:bodyPr rtlCol="0" anchor="ctr"/>
+          <a:lstStyle/>
+          <a:p>
+            <a:pPr algn="ctr"/>
+            <a:endParaRPr lang="fr-FR"/>
+          </a:p>
+        </p:txBody>
+      </p:sp>
+      <p:sp>
+        <p:nvSpPr>
+          <p:cNvPr id="3" name="ZoneTexte 2">
+            <a:extLst>
+              <a:ext uri="{FF2B5EF4-FFF2-40B4-BE49-F238E27FC236}">
+                <a16:creationId xmlns:a16="http://schemas.microsoft.com/office/drawing/2014/main" id="{057F84B5-97F9-4E76-B9B4-DA8C385FE83D}"/>
+              </a:ext>
+            </a:extLst>
+          </p:cNvPr>
+          <p:cNvSpPr txBox="1"/>
+          <p:nvPr/>
+        </p:nvSpPr>
+        <p:spPr>
+          <a:xfrm>
+            <a:off x="2106237" y="1367315"/>
+            <a:ext cx="4517638" cy="1046440"/>
+          </a:xfrm>
+          <a:prstGeom prst="rect">
+            <a:avLst/>
+          </a:prstGeom>
+          <a:noFill/>
+        </p:spPr>
+        <p:txBody>
+          <a:bodyPr wrap="square" rtlCol="0">
+            <a:spAutoFit/>
+          </a:bodyPr>
+          <a:lstStyle/>
+          <a:p>
+            <a:r>
+              <a:rPr lang="fr-FR" sz="1600" dirty="0"/>
+              <a:t>Airbus – Toulouse - Connaissance en back- end ainsi que de l’API REST - Pour les informatique - 3 mois - 350€ brut/mois - 5 places - posté le 15/03</a:t>
+            </a:r>
+          </a:p>
+          <a:p>
+            <a:endParaRPr lang="fr-FR" sz="1400" dirty="0"/>
+          </a:p>
+        </p:txBody>
+      </p:sp>
+      <p:sp>
+        <p:nvSpPr>
+          <p:cNvPr id="36" name="Rectangle 35">
+            <a:extLst>
+              <a:ext uri="{FF2B5EF4-FFF2-40B4-BE49-F238E27FC236}">
+                <a16:creationId xmlns:a16="http://schemas.microsoft.com/office/drawing/2014/main" id="{5ACBBFCF-864C-46C9-ADDE-4D8EF2F37AA5}"/>
+              </a:ext>
+            </a:extLst>
+          </p:cNvPr>
+          <p:cNvSpPr/>
+          <p:nvPr/>
+        </p:nvSpPr>
+        <p:spPr>
+          <a:xfrm>
+            <a:off x="536454" y="2898640"/>
+            <a:ext cx="6138666" cy="3831344"/>
+          </a:xfrm>
+          <a:prstGeom prst="rect">
+            <a:avLst/>
+          </a:prstGeom>
+          <a:noFill/>
+          <a:ln w="38100">
+            <a:solidFill>
+              <a:schemeClr val="tx1"/>
+            </a:solidFill>
+          </a:ln>
+        </p:spPr>
+        <p:style>
+          <a:lnRef idx="2">
+            <a:schemeClr val="accent1">
+              <a:shade val="50000"/>
+            </a:schemeClr>
+          </a:lnRef>
+          <a:fillRef idx="1">
+            <a:schemeClr val="accent1"/>
+          </a:fillRef>
+          <a:effectRef idx="0">
+            <a:schemeClr val="accent1"/>
+          </a:effectRef>
+          <a:fontRef idx="minor">
+            <a:schemeClr val="lt1"/>
+          </a:fontRef>
+        </p:style>
+        <p:txBody>
+          <a:bodyPr rtlCol="0" anchor="ctr"/>
+          <a:lstStyle/>
+          <a:p>
+            <a:pPr algn="ctr"/>
+            <a:endParaRPr lang="fr-FR"/>
+          </a:p>
+        </p:txBody>
+      </p:sp>
+      <p:sp>
+        <p:nvSpPr>
+          <p:cNvPr id="8" name="ZoneTexte 7">
+            <a:extLst>
+              <a:ext uri="{FF2B5EF4-FFF2-40B4-BE49-F238E27FC236}">
+                <a16:creationId xmlns:a16="http://schemas.microsoft.com/office/drawing/2014/main" id="{ED7BF10A-7234-4A03-A7A4-9FD8C55EA24E}"/>
+              </a:ext>
+            </a:extLst>
+          </p:cNvPr>
+          <p:cNvSpPr txBox="1"/>
+          <p:nvPr/>
+        </p:nvSpPr>
+        <p:spPr>
+          <a:xfrm>
+            <a:off x="536454" y="2898640"/>
+            <a:ext cx="6087421" cy="1815882"/>
+          </a:xfrm>
+          <a:prstGeom prst="rect">
+            <a:avLst/>
+          </a:prstGeom>
+          <a:noFill/>
+        </p:spPr>
+        <p:txBody>
+          <a:bodyPr wrap="square" rtlCol="0">
+            <a:spAutoFit/>
+          </a:bodyPr>
+          <a:lstStyle/>
+          <a:p>
+            <a:r>
+              <a:rPr lang="fr-FR" sz="1400" dirty="0"/>
+              <a:t>Description de l’offre:</a:t>
+            </a:r>
+          </a:p>
+          <a:p>
+            <a:r>
+              <a:rPr lang="fr-FR" sz="1400" b="0" i="0" dirty="0">
+                <a:effectLst/>
+                <a:latin typeface="-apple-system"/>
+              </a:rPr>
+              <a:t>Tu auras donc en charge l'intégration de cette solution dans notre environnement </a:t>
+            </a:r>
+            <a:r>
+              <a:rPr lang="fr-FR" sz="1400" b="0" i="0" dirty="0" err="1">
+                <a:effectLst/>
+                <a:latin typeface="-apple-system"/>
+              </a:rPr>
+              <a:t>multi-sites</a:t>
+            </a:r>
+            <a:r>
+              <a:rPr lang="fr-FR" sz="1400" b="0" i="0" dirty="0">
+                <a:effectLst/>
+                <a:latin typeface="-apple-system"/>
+              </a:rPr>
+              <a:t> (10 sites / 2 thématiques) et la migration de toutes nos campagnes de mailing (promotionnelles, marketing automation, etc.). Encadré par un développeur senior, tu développeras en mode Agile dans un environnement Docker / </a:t>
+            </a:r>
+            <a:r>
+              <a:rPr lang="fr-FR" sz="1400" b="0" i="0" dirty="0" err="1">
+                <a:effectLst/>
+                <a:latin typeface="-apple-system"/>
+              </a:rPr>
+              <a:t>nginx</a:t>
+            </a:r>
+            <a:r>
+              <a:rPr lang="fr-FR" sz="1400" b="0" i="0" dirty="0">
+                <a:effectLst/>
+                <a:latin typeface="-apple-system"/>
+              </a:rPr>
+              <a:t> / PHP / Git sous Linux.</a:t>
+            </a:r>
+          </a:p>
+          <a:p>
+            <a:endParaRPr lang="fr-FR" sz="1400" dirty="0">
+              <a:latin typeface="-apple-system"/>
+            </a:endParaRPr>
+          </a:p>
+          <a:p>
+            <a:r>
+              <a:rPr lang="fr-FR" sz="1400" dirty="0">
+                <a:latin typeface="-apple-system"/>
+              </a:rPr>
+              <a:t>Etc…</a:t>
+            </a:r>
+            <a:endParaRPr lang="fr-FR" sz="1400" dirty="0"/>
+          </a:p>
+        </p:txBody>
+      </p:sp>
+      <p:sp>
+        <p:nvSpPr>
+          <p:cNvPr id="9" name="Rectangle 8">
+            <a:extLst>
+              <a:ext uri="{FF2B5EF4-FFF2-40B4-BE49-F238E27FC236}">
+                <a16:creationId xmlns:a16="http://schemas.microsoft.com/office/drawing/2014/main" id="{5940DE05-16F2-4F07-881F-7A445A08AC24}"/>
+              </a:ext>
+            </a:extLst>
+          </p:cNvPr>
+          <p:cNvSpPr/>
+          <p:nvPr/>
+        </p:nvSpPr>
+        <p:spPr>
+          <a:xfrm>
+            <a:off x="536454" y="6937248"/>
+            <a:ext cx="6087421" cy="1011936"/>
+          </a:xfrm>
+          <a:prstGeom prst="rect">
+            <a:avLst/>
+          </a:prstGeom>
+          <a:noFill/>
+          <a:ln w="19050">
+            <a:solidFill>
+              <a:schemeClr val="tx1"/>
+            </a:solidFill>
+            <a:prstDash val="dash"/>
+          </a:ln>
+        </p:spPr>
+        <p:style>
+          <a:lnRef idx="2">
+            <a:schemeClr val="accent1">
+              <a:shade val="50000"/>
+            </a:schemeClr>
+          </a:lnRef>
+          <a:fillRef idx="1">
+            <a:schemeClr val="accent1"/>
+          </a:fillRef>
+          <a:effectRef idx="0">
+            <a:schemeClr val="accent1"/>
+          </a:effectRef>
+          <a:fontRef idx="minor">
+            <a:schemeClr val="lt1"/>
+          </a:fontRef>
+        </p:style>
+        <p:txBody>
+          <a:bodyPr rtlCol="0" anchor="ctr"/>
+          <a:lstStyle/>
+          <a:p>
+            <a:pPr algn="ctr"/>
+            <a:endParaRPr lang="fr-FR"/>
+          </a:p>
+        </p:txBody>
+      </p:sp>
+      <p:sp>
+        <p:nvSpPr>
+          <p:cNvPr id="10" name="ZoneTexte 9">
+            <a:extLst>
+              <a:ext uri="{FF2B5EF4-FFF2-40B4-BE49-F238E27FC236}">
+                <a16:creationId xmlns:a16="http://schemas.microsoft.com/office/drawing/2014/main" id="{BC546FCE-C7EB-40C6-A0EC-E87785839860}"/>
+              </a:ext>
+            </a:extLst>
+          </p:cNvPr>
+          <p:cNvSpPr txBox="1"/>
+          <p:nvPr/>
+        </p:nvSpPr>
+        <p:spPr>
+          <a:xfrm>
+            <a:off x="2647950" y="7040952"/>
+            <a:ext cx="1562100" cy="430887"/>
+          </a:xfrm>
+          <a:prstGeom prst="rect">
+            <a:avLst/>
+          </a:prstGeom>
+          <a:noFill/>
+          <a:ln>
+            <a:noFill/>
+          </a:ln>
+        </p:spPr>
+        <p:txBody>
+          <a:bodyPr wrap="square" rtlCol="0">
+            <a:spAutoFit/>
+          </a:bodyPr>
+          <a:lstStyle/>
+          <a:p>
+            <a:pPr algn="ctr"/>
+            <a:r>
+              <a:rPr lang="fr-FR" sz="1100" dirty="0">
+                <a:solidFill>
+                  <a:schemeClr val="tx1">
+                    <a:lumMod val="50000"/>
+                    <a:lumOff val="50000"/>
+                  </a:schemeClr>
+                </a:solidFill>
+              </a:rPr>
+              <a:t>Déposez vos fichiers ici </a:t>
+            </a:r>
+            <a:br>
+              <a:rPr lang="fr-FR" sz="1100" dirty="0">
+                <a:solidFill>
+                  <a:schemeClr val="tx1">
+                    <a:lumMod val="50000"/>
+                    <a:lumOff val="50000"/>
+                  </a:schemeClr>
+                </a:solidFill>
+              </a:rPr>
+            </a:br>
+            <a:r>
+              <a:rPr lang="fr-FR" sz="1100" dirty="0">
+                <a:solidFill>
+                  <a:schemeClr val="tx1">
+                    <a:lumMod val="50000"/>
+                    <a:lumOff val="50000"/>
+                  </a:schemeClr>
+                </a:solidFill>
+              </a:rPr>
+              <a:t>ou</a:t>
+            </a:r>
+          </a:p>
+        </p:txBody>
+      </p:sp>
+      <p:sp>
+        <p:nvSpPr>
+          <p:cNvPr id="11" name="Rectangle 10">
+            <a:extLst>
+              <a:ext uri="{FF2B5EF4-FFF2-40B4-BE49-F238E27FC236}">
+                <a16:creationId xmlns:a16="http://schemas.microsoft.com/office/drawing/2014/main" id="{5C391A93-3F67-4BC2-AD0D-AF2FB3064347}"/>
+              </a:ext>
+            </a:extLst>
+          </p:cNvPr>
+          <p:cNvSpPr/>
+          <p:nvPr/>
+        </p:nvSpPr>
+        <p:spPr>
+          <a:xfrm>
+            <a:off x="2647950" y="7503780"/>
+            <a:ext cx="1562100" cy="207264"/>
+          </a:xfrm>
+          <a:prstGeom prst="rect">
+            <a:avLst/>
+          </a:prstGeom>
+          <a:solidFill>
+            <a:schemeClr val="bg1">
+              <a:lumMod val="85000"/>
+            </a:schemeClr>
+          </a:solidFill>
+          <a:ln>
+            <a:solidFill>
+              <a:schemeClr val="bg1">
+                <a:lumMod val="65000"/>
+              </a:schemeClr>
+            </a:solidFill>
+          </a:ln>
+        </p:spPr>
+        <p:style>
+          <a:lnRef idx="2">
+            <a:schemeClr val="accent1">
+              <a:shade val="50000"/>
+            </a:schemeClr>
+          </a:lnRef>
+          <a:fillRef idx="1">
+            <a:schemeClr val="accent1"/>
+          </a:fillRef>
+          <a:effectRef idx="0">
+            <a:schemeClr val="accent1"/>
+          </a:effectRef>
+          <a:fontRef idx="minor">
+            <a:schemeClr val="lt1"/>
+          </a:fontRef>
+        </p:style>
+        <p:txBody>
+          <a:bodyPr rtlCol="0" anchor="ctr"/>
+          <a:lstStyle/>
+          <a:p>
+            <a:pPr algn="ctr"/>
+            <a:r>
+              <a:rPr lang="fr-FR" sz="1050" dirty="0">
+                <a:solidFill>
+                  <a:schemeClr val="tx1"/>
+                </a:solidFill>
+              </a:rPr>
+              <a:t>Sélectionner des fichiers</a:t>
+            </a:r>
+          </a:p>
+        </p:txBody>
+      </p:sp>
+    </p:spTree>
+    <p:extLst>
+      <p:ext uri="{BB962C8B-B14F-4D97-AF65-F5344CB8AC3E}">
+        <p14:creationId xmlns:p14="http://schemas.microsoft.com/office/powerpoint/2010/main" val="832013409"/>
       </p:ext>
     </p:extLst>
   </p:cSld>

--- a/Mockup.pptx
+++ b/Mockup.pptx
@@ -4384,46 +4384,6 @@
               </a:p>
             </p:txBody>
           </p:sp>
-          <p:sp>
-            <p:nvSpPr>
-              <p:cNvPr id="27" name="ZoneTexte 26">
-                <a:extLst>
-                  <a:ext uri="{FF2B5EF4-FFF2-40B4-BE49-F238E27FC236}">
-                    <a16:creationId xmlns:a16="http://schemas.microsoft.com/office/drawing/2014/main" id="{AF56CE6F-A6BA-4C96-9F34-581D44E9B1BE}"/>
-                  </a:ext>
-                </a:extLst>
-              </p:cNvPr>
-              <p:cNvSpPr txBox="1"/>
-              <p:nvPr/>
-            </p:nvSpPr>
-            <p:spPr>
-              <a:xfrm>
-                <a:off x="4280201" y="264212"/>
-                <a:ext cx="905384" cy="338554"/>
-              </a:xfrm>
-              <a:prstGeom prst="rect">
-                <a:avLst/>
-              </a:prstGeom>
-              <a:noFill/>
-            </p:spPr>
-            <p:txBody>
-              <a:bodyPr wrap="square" rtlCol="0">
-                <a:spAutoFit/>
-              </a:bodyPr>
-              <a:lstStyle/>
-              <a:p>
-                <a:pPr algn="ctr"/>
-                <a:r>
-                  <a:rPr lang="fr-FR" sz="1600" dirty="0">
-                    <a:solidFill>
-                      <a:schemeClr val="bg1"/>
-                    </a:solidFill>
-                  </a:rPr>
-                  <a:t>Profil</a:t>
-                </a:r>
-              </a:p>
-            </p:txBody>
-          </p:sp>
         </p:grpSp>
         <p:pic>
           <p:nvPicPr>
@@ -5213,46 +5173,6 @@
               </a:p>
             </p:txBody>
           </p:sp>
-          <p:sp>
-            <p:nvSpPr>
-              <p:cNvPr id="73" name="ZoneTexte 72">
-                <a:extLst>
-                  <a:ext uri="{FF2B5EF4-FFF2-40B4-BE49-F238E27FC236}">
-                    <a16:creationId xmlns:a16="http://schemas.microsoft.com/office/drawing/2014/main" id="{E15560E6-68E6-4C24-A89A-EAA89A93BCE1}"/>
-                  </a:ext>
-                </a:extLst>
-              </p:cNvPr>
-              <p:cNvSpPr txBox="1"/>
-              <p:nvPr/>
-            </p:nvSpPr>
-            <p:spPr>
-              <a:xfrm>
-                <a:off x="4280201" y="264212"/>
-                <a:ext cx="905384" cy="338554"/>
-              </a:xfrm>
-              <a:prstGeom prst="rect">
-                <a:avLst/>
-              </a:prstGeom>
-              <a:noFill/>
-            </p:spPr>
-            <p:txBody>
-              <a:bodyPr wrap="square" rtlCol="0">
-                <a:spAutoFit/>
-              </a:bodyPr>
-              <a:lstStyle/>
-              <a:p>
-                <a:pPr algn="ctr"/>
-                <a:r>
-                  <a:rPr lang="fr-FR" sz="1600" dirty="0">
-                    <a:solidFill>
-                      <a:schemeClr val="bg1"/>
-                    </a:solidFill>
-                  </a:rPr>
-                  <a:t>Profil</a:t>
-                </a:r>
-              </a:p>
-            </p:txBody>
-          </p:sp>
         </p:grpSp>
         <p:pic>
           <p:nvPicPr>
@@ -6693,46 +6613,6 @@
               <a:p>
                 <a:pPr algn="ctr"/>
                 <a:endParaRPr lang="fr-FR"/>
-              </a:p>
-            </p:txBody>
-          </p:sp>
-          <p:sp>
-            <p:nvSpPr>
-              <p:cNvPr id="73" name="ZoneTexte 72">
-                <a:extLst>
-                  <a:ext uri="{FF2B5EF4-FFF2-40B4-BE49-F238E27FC236}">
-                    <a16:creationId xmlns:a16="http://schemas.microsoft.com/office/drawing/2014/main" id="{E15560E6-68E6-4C24-A89A-EAA89A93BCE1}"/>
-                  </a:ext>
-                </a:extLst>
-              </p:cNvPr>
-              <p:cNvSpPr txBox="1"/>
-              <p:nvPr/>
-            </p:nvSpPr>
-            <p:spPr>
-              <a:xfrm>
-                <a:off x="4280201" y="264212"/>
-                <a:ext cx="905384" cy="338554"/>
-              </a:xfrm>
-              <a:prstGeom prst="rect">
-                <a:avLst/>
-              </a:prstGeom>
-              <a:noFill/>
-            </p:spPr>
-            <p:txBody>
-              <a:bodyPr wrap="square" rtlCol="0">
-                <a:spAutoFit/>
-              </a:bodyPr>
-              <a:lstStyle/>
-              <a:p>
-                <a:pPr algn="ctr"/>
-                <a:r>
-                  <a:rPr lang="fr-FR" sz="1600" dirty="0">
-                    <a:solidFill>
-                      <a:schemeClr val="bg1"/>
-                    </a:solidFill>
-                  </a:rPr>
-                  <a:t>Profil</a:t>
-                </a:r>
               </a:p>
             </p:txBody>
           </p:sp>
@@ -8200,46 +8080,6 @@
               </a:p>
             </p:txBody>
           </p:sp>
-          <p:sp>
-            <p:nvSpPr>
-              <p:cNvPr id="73" name="ZoneTexte 72">
-                <a:extLst>
-                  <a:ext uri="{FF2B5EF4-FFF2-40B4-BE49-F238E27FC236}">
-                    <a16:creationId xmlns:a16="http://schemas.microsoft.com/office/drawing/2014/main" id="{E15560E6-68E6-4C24-A89A-EAA89A93BCE1}"/>
-                  </a:ext>
-                </a:extLst>
-              </p:cNvPr>
-              <p:cNvSpPr txBox="1"/>
-              <p:nvPr/>
-            </p:nvSpPr>
-            <p:spPr>
-              <a:xfrm>
-                <a:off x="4280201" y="264212"/>
-                <a:ext cx="905384" cy="338554"/>
-              </a:xfrm>
-              <a:prstGeom prst="rect">
-                <a:avLst/>
-              </a:prstGeom>
-              <a:noFill/>
-            </p:spPr>
-            <p:txBody>
-              <a:bodyPr wrap="square" rtlCol="0">
-                <a:spAutoFit/>
-              </a:bodyPr>
-              <a:lstStyle/>
-              <a:p>
-                <a:pPr algn="ctr"/>
-                <a:r>
-                  <a:rPr lang="fr-FR" sz="1600" dirty="0">
-                    <a:solidFill>
-                      <a:schemeClr val="bg1"/>
-                    </a:solidFill>
-                  </a:rPr>
-                  <a:t>Profil</a:t>
-                </a:r>
-              </a:p>
-            </p:txBody>
-          </p:sp>
         </p:grpSp>
         <p:pic>
           <p:nvPicPr>
@@ -9668,46 +9508,6 @@
               </a:p>
             </p:txBody>
           </p:sp>
-          <p:sp>
-            <p:nvSpPr>
-              <p:cNvPr id="73" name="ZoneTexte 72">
-                <a:extLst>
-                  <a:ext uri="{FF2B5EF4-FFF2-40B4-BE49-F238E27FC236}">
-                    <a16:creationId xmlns:a16="http://schemas.microsoft.com/office/drawing/2014/main" id="{E15560E6-68E6-4C24-A89A-EAA89A93BCE1}"/>
-                  </a:ext>
-                </a:extLst>
-              </p:cNvPr>
-              <p:cNvSpPr txBox="1"/>
-              <p:nvPr/>
-            </p:nvSpPr>
-            <p:spPr>
-              <a:xfrm>
-                <a:off x="4280201" y="264212"/>
-                <a:ext cx="905384" cy="338554"/>
-              </a:xfrm>
-              <a:prstGeom prst="rect">
-                <a:avLst/>
-              </a:prstGeom>
-              <a:noFill/>
-            </p:spPr>
-            <p:txBody>
-              <a:bodyPr wrap="square" rtlCol="0">
-                <a:spAutoFit/>
-              </a:bodyPr>
-              <a:lstStyle/>
-              <a:p>
-                <a:pPr algn="ctr"/>
-                <a:r>
-                  <a:rPr lang="fr-FR" sz="1600" dirty="0">
-                    <a:solidFill>
-                      <a:schemeClr val="bg1"/>
-                    </a:solidFill>
-                  </a:rPr>
-                  <a:t>Profil</a:t>
-                </a:r>
-              </a:p>
-            </p:txBody>
-          </p:sp>
         </p:grpSp>
         <p:pic>
           <p:nvPicPr>
@@ -11532,46 +11332,6 @@
               <a:p>
                 <a:pPr algn="ctr"/>
                 <a:endParaRPr lang="fr-FR"/>
-              </a:p>
-            </p:txBody>
-          </p:sp>
-          <p:sp>
-            <p:nvSpPr>
-              <p:cNvPr id="73" name="ZoneTexte 72">
-                <a:extLst>
-                  <a:ext uri="{FF2B5EF4-FFF2-40B4-BE49-F238E27FC236}">
-                    <a16:creationId xmlns:a16="http://schemas.microsoft.com/office/drawing/2014/main" id="{E15560E6-68E6-4C24-A89A-EAA89A93BCE1}"/>
-                  </a:ext>
-                </a:extLst>
-              </p:cNvPr>
-              <p:cNvSpPr txBox="1"/>
-              <p:nvPr/>
-            </p:nvSpPr>
-            <p:spPr>
-              <a:xfrm>
-                <a:off x="4280201" y="264212"/>
-                <a:ext cx="905384" cy="338554"/>
-              </a:xfrm>
-              <a:prstGeom prst="rect">
-                <a:avLst/>
-              </a:prstGeom>
-              <a:noFill/>
-            </p:spPr>
-            <p:txBody>
-              <a:bodyPr wrap="square" rtlCol="0">
-                <a:spAutoFit/>
-              </a:bodyPr>
-              <a:lstStyle/>
-              <a:p>
-                <a:pPr algn="ctr"/>
-                <a:r>
-                  <a:rPr lang="fr-FR" sz="1600" dirty="0">
-                    <a:solidFill>
-                      <a:schemeClr val="bg1"/>
-                    </a:solidFill>
-                  </a:rPr>
-                  <a:t>Profil</a:t>
-                </a:r>
               </a:p>
             </p:txBody>
           </p:sp>
@@ -13128,46 +12888,6 @@
               </a:p>
             </p:txBody>
           </p:sp>
-          <p:sp>
-            <p:nvSpPr>
-              <p:cNvPr id="73" name="ZoneTexte 72">
-                <a:extLst>
-                  <a:ext uri="{FF2B5EF4-FFF2-40B4-BE49-F238E27FC236}">
-                    <a16:creationId xmlns:a16="http://schemas.microsoft.com/office/drawing/2014/main" id="{E15560E6-68E6-4C24-A89A-EAA89A93BCE1}"/>
-                  </a:ext>
-                </a:extLst>
-              </p:cNvPr>
-              <p:cNvSpPr txBox="1"/>
-              <p:nvPr/>
-            </p:nvSpPr>
-            <p:spPr>
-              <a:xfrm>
-                <a:off x="4280201" y="264212"/>
-                <a:ext cx="905384" cy="338554"/>
-              </a:xfrm>
-              <a:prstGeom prst="rect">
-                <a:avLst/>
-              </a:prstGeom>
-              <a:noFill/>
-            </p:spPr>
-            <p:txBody>
-              <a:bodyPr wrap="square" rtlCol="0">
-                <a:spAutoFit/>
-              </a:bodyPr>
-              <a:lstStyle/>
-              <a:p>
-                <a:pPr algn="ctr"/>
-                <a:r>
-                  <a:rPr lang="fr-FR" sz="1600" dirty="0">
-                    <a:solidFill>
-                      <a:schemeClr val="bg1"/>
-                    </a:solidFill>
-                  </a:rPr>
-                  <a:t>Profil</a:t>
-                </a:r>
-              </a:p>
-            </p:txBody>
-          </p:sp>
         </p:grpSp>
         <p:pic>
           <p:nvPicPr>
@@ -15446,46 +15166,6 @@
               <a:p>
                 <a:pPr algn="ctr"/>
                 <a:endParaRPr lang="fr-FR"/>
-              </a:p>
-            </p:txBody>
-          </p:sp>
-          <p:sp>
-            <p:nvSpPr>
-              <p:cNvPr id="73" name="ZoneTexte 72">
-                <a:extLst>
-                  <a:ext uri="{FF2B5EF4-FFF2-40B4-BE49-F238E27FC236}">
-                    <a16:creationId xmlns:a16="http://schemas.microsoft.com/office/drawing/2014/main" id="{E15560E6-68E6-4C24-A89A-EAA89A93BCE1}"/>
-                  </a:ext>
-                </a:extLst>
-              </p:cNvPr>
-              <p:cNvSpPr txBox="1"/>
-              <p:nvPr/>
-            </p:nvSpPr>
-            <p:spPr>
-              <a:xfrm>
-                <a:off x="4280201" y="264212"/>
-                <a:ext cx="905384" cy="338554"/>
-              </a:xfrm>
-              <a:prstGeom prst="rect">
-                <a:avLst/>
-              </a:prstGeom>
-              <a:noFill/>
-            </p:spPr>
-            <p:txBody>
-              <a:bodyPr wrap="square" rtlCol="0">
-                <a:spAutoFit/>
-              </a:bodyPr>
-              <a:lstStyle/>
-              <a:p>
-                <a:pPr algn="ctr"/>
-                <a:r>
-                  <a:rPr lang="fr-FR" sz="1600" dirty="0">
-                    <a:solidFill>
-                      <a:schemeClr val="bg1"/>
-                    </a:solidFill>
-                  </a:rPr>
-                  <a:t>Profil</a:t>
-                </a:r>
               </a:p>
             </p:txBody>
           </p:sp>
@@ -17050,46 +16730,6 @@
               </a:p>
             </p:txBody>
           </p:sp>
-          <p:sp>
-            <p:nvSpPr>
-              <p:cNvPr id="73" name="ZoneTexte 72">
-                <a:extLst>
-                  <a:ext uri="{FF2B5EF4-FFF2-40B4-BE49-F238E27FC236}">
-                    <a16:creationId xmlns:a16="http://schemas.microsoft.com/office/drawing/2014/main" id="{E15560E6-68E6-4C24-A89A-EAA89A93BCE1}"/>
-                  </a:ext>
-                </a:extLst>
-              </p:cNvPr>
-              <p:cNvSpPr txBox="1"/>
-              <p:nvPr/>
-            </p:nvSpPr>
-            <p:spPr>
-              <a:xfrm>
-                <a:off x="4280201" y="264212"/>
-                <a:ext cx="905384" cy="338554"/>
-              </a:xfrm>
-              <a:prstGeom prst="rect">
-                <a:avLst/>
-              </a:prstGeom>
-              <a:noFill/>
-            </p:spPr>
-            <p:txBody>
-              <a:bodyPr wrap="square" rtlCol="0">
-                <a:spAutoFit/>
-              </a:bodyPr>
-              <a:lstStyle/>
-              <a:p>
-                <a:pPr algn="ctr"/>
-                <a:r>
-                  <a:rPr lang="fr-FR" sz="1600" dirty="0">
-                    <a:solidFill>
-                      <a:schemeClr val="bg1"/>
-                    </a:solidFill>
-                  </a:rPr>
-                  <a:t>Profil</a:t>
-                </a:r>
-              </a:p>
-            </p:txBody>
-          </p:sp>
         </p:grpSp>
         <p:pic>
           <p:nvPicPr>
@@ -18291,46 +17931,6 @@
               <a:p>
                 <a:pPr algn="ctr"/>
                 <a:endParaRPr lang="fr-FR"/>
-              </a:p>
-            </p:txBody>
-          </p:sp>
-          <p:sp>
-            <p:nvSpPr>
-              <p:cNvPr id="73" name="ZoneTexte 72">
-                <a:extLst>
-                  <a:ext uri="{FF2B5EF4-FFF2-40B4-BE49-F238E27FC236}">
-                    <a16:creationId xmlns:a16="http://schemas.microsoft.com/office/drawing/2014/main" id="{E15560E6-68E6-4C24-A89A-EAA89A93BCE1}"/>
-                  </a:ext>
-                </a:extLst>
-              </p:cNvPr>
-              <p:cNvSpPr txBox="1"/>
-              <p:nvPr/>
-            </p:nvSpPr>
-            <p:spPr>
-              <a:xfrm>
-                <a:off x="4280201" y="264212"/>
-                <a:ext cx="905384" cy="338554"/>
-              </a:xfrm>
-              <a:prstGeom prst="rect">
-                <a:avLst/>
-              </a:prstGeom>
-              <a:noFill/>
-            </p:spPr>
-            <p:txBody>
-              <a:bodyPr wrap="square" rtlCol="0">
-                <a:spAutoFit/>
-              </a:bodyPr>
-              <a:lstStyle/>
-              <a:p>
-                <a:pPr algn="ctr"/>
-                <a:r>
-                  <a:rPr lang="fr-FR" sz="1600" dirty="0">
-                    <a:solidFill>
-                      <a:schemeClr val="bg1"/>
-                    </a:solidFill>
-                  </a:rPr>
-                  <a:t>Profil</a:t>
-                </a:r>
               </a:p>
             </p:txBody>
           </p:sp>
@@ -19837,46 +19437,6 @@
               </a:p>
             </p:txBody>
           </p:sp>
-          <p:sp>
-            <p:nvSpPr>
-              <p:cNvPr id="74" name="ZoneTexte 73">
-                <a:extLst>
-                  <a:ext uri="{FF2B5EF4-FFF2-40B4-BE49-F238E27FC236}">
-                    <a16:creationId xmlns:a16="http://schemas.microsoft.com/office/drawing/2014/main" id="{37E41DC2-70C1-493C-9D5A-22383D5DC77C}"/>
-                  </a:ext>
-                </a:extLst>
-              </p:cNvPr>
-              <p:cNvSpPr txBox="1"/>
-              <p:nvPr/>
-            </p:nvSpPr>
-            <p:spPr>
-              <a:xfrm>
-                <a:off x="4280201" y="264212"/>
-                <a:ext cx="905384" cy="338554"/>
-              </a:xfrm>
-              <a:prstGeom prst="rect">
-                <a:avLst/>
-              </a:prstGeom>
-              <a:noFill/>
-            </p:spPr>
-            <p:txBody>
-              <a:bodyPr wrap="square" rtlCol="0">
-                <a:spAutoFit/>
-              </a:bodyPr>
-              <a:lstStyle/>
-              <a:p>
-                <a:pPr algn="ctr"/>
-                <a:r>
-                  <a:rPr lang="fr-FR" sz="1600" dirty="0">
-                    <a:solidFill>
-                      <a:schemeClr val="bg1"/>
-                    </a:solidFill>
-                  </a:rPr>
-                  <a:t>Profil</a:t>
-                </a:r>
-              </a:p>
-            </p:txBody>
-          </p:sp>
         </p:grpSp>
         <p:pic>
           <p:nvPicPr>
@@ -21557,46 +21117,6 @@
               </a:p>
             </p:txBody>
           </p:sp>
-          <p:sp>
-            <p:nvSpPr>
-              <p:cNvPr id="79" name="ZoneTexte 78">
-                <a:extLst>
-                  <a:ext uri="{FF2B5EF4-FFF2-40B4-BE49-F238E27FC236}">
-                    <a16:creationId xmlns:a16="http://schemas.microsoft.com/office/drawing/2014/main" id="{3DD5BE6F-BBE5-46BB-8F86-AF78889A6479}"/>
-                  </a:ext>
-                </a:extLst>
-              </p:cNvPr>
-              <p:cNvSpPr txBox="1"/>
-              <p:nvPr/>
-            </p:nvSpPr>
-            <p:spPr>
-              <a:xfrm>
-                <a:off x="4280201" y="264212"/>
-                <a:ext cx="905384" cy="338554"/>
-              </a:xfrm>
-              <a:prstGeom prst="rect">
-                <a:avLst/>
-              </a:prstGeom>
-              <a:noFill/>
-            </p:spPr>
-            <p:txBody>
-              <a:bodyPr wrap="square" rtlCol="0">
-                <a:spAutoFit/>
-              </a:bodyPr>
-              <a:lstStyle/>
-              <a:p>
-                <a:pPr algn="ctr"/>
-                <a:r>
-                  <a:rPr lang="fr-FR" sz="1600" dirty="0">
-                    <a:solidFill>
-                      <a:schemeClr val="bg1"/>
-                    </a:solidFill>
-                  </a:rPr>
-                  <a:t>Profil</a:t>
-                </a:r>
-              </a:p>
-            </p:txBody>
-          </p:sp>
         </p:grpSp>
         <p:pic>
           <p:nvPicPr>
@@ -23274,46 +22794,6 @@
               <a:p>
                 <a:pPr algn="ctr"/>
                 <a:endParaRPr lang="fr-FR"/>
-              </a:p>
-            </p:txBody>
-          </p:sp>
-          <p:sp>
-            <p:nvSpPr>
-              <p:cNvPr id="80" name="ZoneTexte 79">
-                <a:extLst>
-                  <a:ext uri="{FF2B5EF4-FFF2-40B4-BE49-F238E27FC236}">
-                    <a16:creationId xmlns:a16="http://schemas.microsoft.com/office/drawing/2014/main" id="{6C0223F1-255B-46F3-AD7C-4E8C0F391606}"/>
-                  </a:ext>
-                </a:extLst>
-              </p:cNvPr>
-              <p:cNvSpPr txBox="1"/>
-              <p:nvPr/>
-            </p:nvSpPr>
-            <p:spPr>
-              <a:xfrm>
-                <a:off x="4280201" y="264212"/>
-                <a:ext cx="905384" cy="338554"/>
-              </a:xfrm>
-              <a:prstGeom prst="rect">
-                <a:avLst/>
-              </a:prstGeom>
-              <a:noFill/>
-            </p:spPr>
-            <p:txBody>
-              <a:bodyPr wrap="square" rtlCol="0">
-                <a:spAutoFit/>
-              </a:bodyPr>
-              <a:lstStyle/>
-              <a:p>
-                <a:pPr algn="ctr"/>
-                <a:r>
-                  <a:rPr lang="fr-FR" sz="1600" dirty="0">
-                    <a:solidFill>
-                      <a:schemeClr val="bg1"/>
-                    </a:solidFill>
-                  </a:rPr>
-                  <a:t>Profil</a:t>
-                </a:r>
               </a:p>
             </p:txBody>
           </p:sp>
@@ -25335,46 +24815,6 @@
               </a:p>
             </p:txBody>
           </p:sp>
-          <p:sp>
-            <p:nvSpPr>
-              <p:cNvPr id="80" name="ZoneTexte 79">
-                <a:extLst>
-                  <a:ext uri="{FF2B5EF4-FFF2-40B4-BE49-F238E27FC236}">
-                    <a16:creationId xmlns:a16="http://schemas.microsoft.com/office/drawing/2014/main" id="{29F9B608-9787-4910-84BC-AA04A81784FF}"/>
-                  </a:ext>
-                </a:extLst>
-              </p:cNvPr>
-              <p:cNvSpPr txBox="1"/>
-              <p:nvPr/>
-            </p:nvSpPr>
-            <p:spPr>
-              <a:xfrm>
-                <a:off x="4280201" y="264212"/>
-                <a:ext cx="905384" cy="338554"/>
-              </a:xfrm>
-              <a:prstGeom prst="rect">
-                <a:avLst/>
-              </a:prstGeom>
-              <a:noFill/>
-            </p:spPr>
-            <p:txBody>
-              <a:bodyPr wrap="square" rtlCol="0">
-                <a:spAutoFit/>
-              </a:bodyPr>
-              <a:lstStyle/>
-              <a:p>
-                <a:pPr algn="ctr"/>
-                <a:r>
-                  <a:rPr lang="fr-FR" sz="1600" dirty="0">
-                    <a:solidFill>
-                      <a:schemeClr val="bg1"/>
-                    </a:solidFill>
-                  </a:rPr>
-                  <a:t>Profil</a:t>
-                </a:r>
-              </a:p>
-            </p:txBody>
-          </p:sp>
         </p:grpSp>
         <p:pic>
           <p:nvPicPr>
@@ -25999,46 +25439,6 @@
               <a:p>
                 <a:pPr algn="ctr"/>
                 <a:endParaRPr lang="fr-FR"/>
-              </a:p>
-            </p:txBody>
-          </p:sp>
-          <p:sp>
-            <p:nvSpPr>
-              <p:cNvPr id="73" name="ZoneTexte 72">
-                <a:extLst>
-                  <a:ext uri="{FF2B5EF4-FFF2-40B4-BE49-F238E27FC236}">
-                    <a16:creationId xmlns:a16="http://schemas.microsoft.com/office/drawing/2014/main" id="{E15560E6-68E6-4C24-A89A-EAA89A93BCE1}"/>
-                  </a:ext>
-                </a:extLst>
-              </p:cNvPr>
-              <p:cNvSpPr txBox="1"/>
-              <p:nvPr/>
-            </p:nvSpPr>
-            <p:spPr>
-              <a:xfrm>
-                <a:off x="4280201" y="264212"/>
-                <a:ext cx="905384" cy="338554"/>
-              </a:xfrm>
-              <a:prstGeom prst="rect">
-                <a:avLst/>
-              </a:prstGeom>
-              <a:noFill/>
-            </p:spPr>
-            <p:txBody>
-              <a:bodyPr wrap="square" rtlCol="0">
-                <a:spAutoFit/>
-              </a:bodyPr>
-              <a:lstStyle/>
-              <a:p>
-                <a:pPr algn="ctr"/>
-                <a:r>
-                  <a:rPr lang="fr-FR" sz="1600" dirty="0">
-                    <a:solidFill>
-                      <a:schemeClr val="bg1"/>
-                    </a:solidFill>
-                  </a:rPr>
-                  <a:t>Profil</a:t>
-                </a:r>
               </a:p>
             </p:txBody>
           </p:sp>
@@ -28204,46 +27604,6 @@
               </a:p>
             </p:txBody>
           </p:sp>
-          <p:sp>
-            <p:nvSpPr>
-              <p:cNvPr id="73" name="ZoneTexte 72">
-                <a:extLst>
-                  <a:ext uri="{FF2B5EF4-FFF2-40B4-BE49-F238E27FC236}">
-                    <a16:creationId xmlns:a16="http://schemas.microsoft.com/office/drawing/2014/main" id="{E15560E6-68E6-4C24-A89A-EAA89A93BCE1}"/>
-                  </a:ext>
-                </a:extLst>
-              </p:cNvPr>
-              <p:cNvSpPr txBox="1"/>
-              <p:nvPr/>
-            </p:nvSpPr>
-            <p:spPr>
-              <a:xfrm>
-                <a:off x="4280201" y="264212"/>
-                <a:ext cx="905384" cy="338554"/>
-              </a:xfrm>
-              <a:prstGeom prst="rect">
-                <a:avLst/>
-              </a:prstGeom>
-              <a:noFill/>
-            </p:spPr>
-            <p:txBody>
-              <a:bodyPr wrap="square" rtlCol="0">
-                <a:spAutoFit/>
-              </a:bodyPr>
-              <a:lstStyle/>
-              <a:p>
-                <a:pPr algn="ctr"/>
-                <a:r>
-                  <a:rPr lang="fr-FR" sz="1600" dirty="0">
-                    <a:solidFill>
-                      <a:schemeClr val="bg1"/>
-                    </a:solidFill>
-                  </a:rPr>
-                  <a:t>Profil</a:t>
-                </a:r>
-              </a:p>
-            </p:txBody>
-          </p:sp>
         </p:grpSp>
         <p:pic>
           <p:nvPicPr>
@@ -29614,46 +28974,6 @@
               </a:p>
             </p:txBody>
           </p:sp>
-          <p:sp>
-            <p:nvSpPr>
-              <p:cNvPr id="73" name="ZoneTexte 72">
-                <a:extLst>
-                  <a:ext uri="{FF2B5EF4-FFF2-40B4-BE49-F238E27FC236}">
-                    <a16:creationId xmlns:a16="http://schemas.microsoft.com/office/drawing/2014/main" id="{E15560E6-68E6-4C24-A89A-EAA89A93BCE1}"/>
-                  </a:ext>
-                </a:extLst>
-              </p:cNvPr>
-              <p:cNvSpPr txBox="1"/>
-              <p:nvPr/>
-            </p:nvSpPr>
-            <p:spPr>
-              <a:xfrm>
-                <a:off x="4280201" y="264212"/>
-                <a:ext cx="905384" cy="338554"/>
-              </a:xfrm>
-              <a:prstGeom prst="rect">
-                <a:avLst/>
-              </a:prstGeom>
-              <a:noFill/>
-            </p:spPr>
-            <p:txBody>
-              <a:bodyPr wrap="square" rtlCol="0">
-                <a:spAutoFit/>
-              </a:bodyPr>
-              <a:lstStyle/>
-              <a:p>
-                <a:pPr algn="ctr"/>
-                <a:r>
-                  <a:rPr lang="fr-FR" sz="1600" dirty="0">
-                    <a:solidFill>
-                      <a:schemeClr val="bg1"/>
-                    </a:solidFill>
-                  </a:rPr>
-                  <a:t>Profil</a:t>
-                </a:r>
-              </a:p>
-            </p:txBody>
-          </p:sp>
         </p:grpSp>
         <p:pic>
           <p:nvPicPr>
@@ -31390,46 +30710,6 @@
               <a:p>
                 <a:pPr algn="ctr"/>
                 <a:endParaRPr lang="fr-FR"/>
-              </a:p>
-            </p:txBody>
-          </p:sp>
-          <p:sp>
-            <p:nvSpPr>
-              <p:cNvPr id="73" name="ZoneTexte 72">
-                <a:extLst>
-                  <a:ext uri="{FF2B5EF4-FFF2-40B4-BE49-F238E27FC236}">
-                    <a16:creationId xmlns:a16="http://schemas.microsoft.com/office/drawing/2014/main" id="{E15560E6-68E6-4C24-A89A-EAA89A93BCE1}"/>
-                  </a:ext>
-                </a:extLst>
-              </p:cNvPr>
-              <p:cNvSpPr txBox="1"/>
-              <p:nvPr/>
-            </p:nvSpPr>
-            <p:spPr>
-              <a:xfrm>
-                <a:off x="4280201" y="264212"/>
-                <a:ext cx="905384" cy="338554"/>
-              </a:xfrm>
-              <a:prstGeom prst="rect">
-                <a:avLst/>
-              </a:prstGeom>
-              <a:noFill/>
-            </p:spPr>
-            <p:txBody>
-              <a:bodyPr wrap="square" rtlCol="0">
-                <a:spAutoFit/>
-              </a:bodyPr>
-              <a:lstStyle/>
-              <a:p>
-                <a:pPr algn="ctr"/>
-                <a:r>
-                  <a:rPr lang="fr-FR" sz="1600" dirty="0">
-                    <a:solidFill>
-                      <a:schemeClr val="bg1"/>
-                    </a:solidFill>
-                  </a:rPr>
-                  <a:t>Profil</a:t>
-                </a:r>
               </a:p>
             </p:txBody>
           </p:sp>

--- a/Mockup.pptx
+++ b/Mockup.pptx
@@ -26201,7 +26201,7 @@
           <p:spPr>
             <a:xfrm>
               <a:off x="2451868" y="3512347"/>
-              <a:ext cx="3610737" cy="954107"/>
+              <a:ext cx="3389615" cy="954107"/>
             </a:xfrm>
             <a:prstGeom prst="rect">
               <a:avLst/>
@@ -26837,6 +26837,51 @@
           <a:xfrm>
             <a:off x="5876353" y="1787077"/>
             <a:ext cx="185738" cy="185738"/>
+          </a:xfrm>
+          <a:prstGeom prst="rect">
+            <a:avLst/>
+          </a:prstGeom>
+          <a:noFill/>
+          <a:extLst>
+            <a:ext uri="{909E8E84-426E-40DD-AFC4-6F175D3DCCD1}">
+              <a14:hiddenFill xmlns:a14="http://schemas.microsoft.com/office/drawing/2010/main">
+                <a:solidFill>
+                  <a:srgbClr val="FFFFFF"/>
+                </a:solidFill>
+              </a14:hiddenFill>
+            </a:ext>
+          </a:extLst>
+        </p:spPr>
+      </p:pic>
+      <p:pic>
+        <p:nvPicPr>
+          <p:cNvPr id="53" name="Picture 2" descr="Notes Étoiles Qualité - Images vectorielles gratuites sur Pixabay">
+            <a:extLst>
+              <a:ext uri="{FF2B5EF4-FFF2-40B4-BE49-F238E27FC236}">
+                <a16:creationId xmlns:a16="http://schemas.microsoft.com/office/drawing/2014/main" id="{1D3A21F4-5AFA-49B0-9815-FCBF19481AB8}"/>
+              </a:ext>
+            </a:extLst>
+          </p:cNvPr>
+          <p:cNvPicPr>
+            <a:picLocks noChangeAspect="1" noChangeArrowheads="1"/>
+          </p:cNvPicPr>
+          <p:nvPr/>
+        </p:nvPicPr>
+        <p:blipFill rotWithShape="1">
+          <a:blip r:embed="rId13">
+            <a:extLst>
+              <a:ext uri="{28A0092B-C50C-407E-A947-70E740481C1C}">
+                <a14:useLocalDpi xmlns:a14="http://schemas.microsoft.com/office/drawing/2010/main" val="0"/>
+              </a:ext>
+            </a:extLst>
+          </a:blip>
+          <a:srcRect t="19579" b="60000"/>
+          <a:stretch/>
+        </p:blipFill>
+        <p:spPr bwMode="auto">
+          <a:xfrm>
+            <a:off x="5099050" y="4328332"/>
+            <a:ext cx="928324" cy="203725"/>
           </a:xfrm>
           <a:prstGeom prst="rect">
             <a:avLst/>

--- a/Mockup.pptx
+++ b/Mockup.pptx
@@ -5262,7 +5262,7 @@
         <p:spPr>
           <a:xfrm>
             <a:off x="195072" y="2122961"/>
-            <a:ext cx="6511742" cy="4099926"/>
+            <a:ext cx="6511742" cy="4357022"/>
           </a:xfrm>
           <a:prstGeom prst="rect">
             <a:avLst/>
@@ -5861,6 +5861,71 @@
                 </a:solidFill>
               </a:rPr>
               <a:t>Mot de passe</a:t>
+            </a:r>
+          </a:p>
+        </p:txBody>
+      </p:sp>
+      <p:sp>
+        <p:nvSpPr>
+          <p:cNvPr id="34" name="Rectangle 33">
+            <a:extLst>
+              <a:ext uri="{FF2B5EF4-FFF2-40B4-BE49-F238E27FC236}">
+                <a16:creationId xmlns:a16="http://schemas.microsoft.com/office/drawing/2014/main" id="{3C569601-D235-442B-A8D9-16BCDE5EBFB8}"/>
+              </a:ext>
+            </a:extLst>
+          </p:cNvPr>
+          <p:cNvSpPr/>
+          <p:nvPr/>
+        </p:nvSpPr>
+        <p:spPr>
+          <a:xfrm>
+            <a:off x="5201083" y="5988217"/>
+            <a:ext cx="1305956" cy="274439"/>
+          </a:xfrm>
+          <a:prstGeom prst="rect">
+            <a:avLst/>
+          </a:prstGeom>
+          <a:solidFill>
+            <a:schemeClr val="bg1">
+              <a:lumMod val="85000"/>
+            </a:schemeClr>
+          </a:solidFill>
+          <a:ln>
+            <a:solidFill>
+              <a:schemeClr val="bg1">
+                <a:lumMod val="65000"/>
+              </a:schemeClr>
+            </a:solidFill>
+          </a:ln>
+        </p:spPr>
+        <p:style>
+          <a:lnRef idx="2">
+            <a:schemeClr val="accent1">
+              <a:shade val="50000"/>
+            </a:schemeClr>
+          </a:lnRef>
+          <a:fillRef idx="1">
+            <a:schemeClr val="accent1"/>
+          </a:fillRef>
+          <a:effectRef idx="0">
+            <a:schemeClr val="accent1"/>
+          </a:effectRef>
+          <a:fontRef idx="minor">
+            <a:schemeClr val="lt1"/>
+          </a:fontRef>
+        </p:style>
+        <p:txBody>
+          <a:bodyPr rtlCol="0" anchor="ctr"/>
+          <a:lstStyle/>
+          <a:p>
+            <a:pPr algn="ctr"/>
+            <a:r>
+              <a:rPr lang="fr-FR" sz="1400" dirty="0">
+                <a:solidFill>
+                  <a:schemeClr val="tx1"/>
+                </a:solidFill>
+              </a:rPr>
+              <a:t>Valider</a:t>
             </a:r>
           </a:p>
         </p:txBody>
@@ -6705,9 +6770,9 @@
         <p:grpSpPr>
           <a:xfrm>
             <a:off x="195072" y="2122961"/>
-            <a:ext cx="6511742" cy="4107151"/>
+            <a:ext cx="6511742" cy="4334697"/>
             <a:chOff x="195072" y="2122961"/>
-            <a:chExt cx="6511742" cy="4107151"/>
+            <a:chExt cx="6511742" cy="4334697"/>
           </a:xfrm>
         </p:grpSpPr>
         <p:sp>
@@ -6725,7 +6790,7 @@
           <p:spPr>
             <a:xfrm>
               <a:off x="195072" y="2122961"/>
-              <a:ext cx="6511742" cy="4107151"/>
+              <a:ext cx="6511742" cy="4334697"/>
             </a:xfrm>
             <a:prstGeom prst="rect">
               <a:avLst/>
@@ -7329,6 +7394,71 @@
           </p:txBody>
         </p:sp>
       </p:grpSp>
+      <p:sp>
+        <p:nvSpPr>
+          <p:cNvPr id="37" name="Rectangle 36">
+            <a:extLst>
+              <a:ext uri="{FF2B5EF4-FFF2-40B4-BE49-F238E27FC236}">
+                <a16:creationId xmlns:a16="http://schemas.microsoft.com/office/drawing/2014/main" id="{D0D12815-E0FC-49EA-B79A-2BB69F943E94}"/>
+              </a:ext>
+            </a:extLst>
+          </p:cNvPr>
+          <p:cNvSpPr/>
+          <p:nvPr/>
+        </p:nvSpPr>
+        <p:spPr>
+          <a:xfrm>
+            <a:off x="5306187" y="5938334"/>
+            <a:ext cx="1305956" cy="274439"/>
+          </a:xfrm>
+          <a:prstGeom prst="rect">
+            <a:avLst/>
+          </a:prstGeom>
+          <a:solidFill>
+            <a:schemeClr val="bg1">
+              <a:lumMod val="85000"/>
+            </a:schemeClr>
+          </a:solidFill>
+          <a:ln>
+            <a:solidFill>
+              <a:schemeClr val="bg1">
+                <a:lumMod val="65000"/>
+              </a:schemeClr>
+            </a:solidFill>
+          </a:ln>
+        </p:spPr>
+        <p:style>
+          <a:lnRef idx="2">
+            <a:schemeClr val="accent1">
+              <a:shade val="50000"/>
+            </a:schemeClr>
+          </a:lnRef>
+          <a:fillRef idx="1">
+            <a:schemeClr val="accent1"/>
+          </a:fillRef>
+          <a:effectRef idx="0">
+            <a:schemeClr val="accent1"/>
+          </a:effectRef>
+          <a:fontRef idx="minor">
+            <a:schemeClr val="lt1"/>
+          </a:fontRef>
+        </p:style>
+        <p:txBody>
+          <a:bodyPr rtlCol="0" anchor="ctr"/>
+          <a:lstStyle/>
+          <a:p>
+            <a:pPr algn="ctr"/>
+            <a:r>
+              <a:rPr lang="fr-FR" sz="1400" dirty="0">
+                <a:solidFill>
+                  <a:schemeClr val="tx1"/>
+                </a:solidFill>
+              </a:rPr>
+              <a:t>Valider</a:t>
+            </a:r>
+          </a:p>
+        </p:txBody>
+      </p:sp>
     </p:spTree>
     <p:extLst>
       <p:ext uri="{BB962C8B-B14F-4D97-AF65-F5344CB8AC3E}">
@@ -8757,6 +8887,71 @@
           </p:txBody>
         </p:sp>
       </p:grpSp>
+      <p:sp>
+        <p:nvSpPr>
+          <p:cNvPr id="33" name="Rectangle 32">
+            <a:extLst>
+              <a:ext uri="{FF2B5EF4-FFF2-40B4-BE49-F238E27FC236}">
+                <a16:creationId xmlns:a16="http://schemas.microsoft.com/office/drawing/2014/main" id="{3E025DAB-B111-42F0-9819-DBE23E0BDCA1}"/>
+              </a:ext>
+            </a:extLst>
+          </p:cNvPr>
+          <p:cNvSpPr/>
+          <p:nvPr/>
+        </p:nvSpPr>
+        <p:spPr>
+          <a:xfrm>
+            <a:off x="5201083" y="5865860"/>
+            <a:ext cx="1305956" cy="274439"/>
+          </a:xfrm>
+          <a:prstGeom prst="rect">
+            <a:avLst/>
+          </a:prstGeom>
+          <a:solidFill>
+            <a:schemeClr val="bg1">
+              <a:lumMod val="85000"/>
+            </a:schemeClr>
+          </a:solidFill>
+          <a:ln>
+            <a:solidFill>
+              <a:schemeClr val="bg1">
+                <a:lumMod val="65000"/>
+              </a:schemeClr>
+            </a:solidFill>
+          </a:ln>
+        </p:spPr>
+        <p:style>
+          <a:lnRef idx="2">
+            <a:schemeClr val="accent1">
+              <a:shade val="50000"/>
+            </a:schemeClr>
+          </a:lnRef>
+          <a:fillRef idx="1">
+            <a:schemeClr val="accent1"/>
+          </a:fillRef>
+          <a:effectRef idx="0">
+            <a:schemeClr val="accent1"/>
+          </a:effectRef>
+          <a:fontRef idx="minor">
+            <a:schemeClr val="lt1"/>
+          </a:fontRef>
+        </p:style>
+        <p:txBody>
+          <a:bodyPr rtlCol="0" anchor="ctr"/>
+          <a:lstStyle/>
+          <a:p>
+            <a:pPr algn="ctr"/>
+            <a:r>
+              <a:rPr lang="fr-FR" sz="1400" dirty="0">
+                <a:solidFill>
+                  <a:schemeClr val="tx1"/>
+                </a:solidFill>
+              </a:rPr>
+              <a:t>Valider</a:t>
+            </a:r>
+          </a:p>
+        </p:txBody>
+      </p:sp>
     </p:spTree>
     <p:extLst>
       <p:ext uri="{BB962C8B-B14F-4D97-AF65-F5344CB8AC3E}">
@@ -9597,7 +9792,7 @@
         <p:spPr>
           <a:xfrm>
             <a:off x="195072" y="2122961"/>
-            <a:ext cx="6511742" cy="5234297"/>
+            <a:ext cx="6511742" cy="5655771"/>
           </a:xfrm>
           <a:prstGeom prst="rect">
             <a:avLst/>
@@ -10581,6 +10776,71 @@
           <a:p>
             <a:pPr algn="ctr"/>
             <a:endParaRPr lang="fr-FR" dirty="0"/>
+          </a:p>
+        </p:txBody>
+      </p:sp>
+      <p:sp>
+        <p:nvSpPr>
+          <p:cNvPr id="41" name="Rectangle 40">
+            <a:extLst>
+              <a:ext uri="{FF2B5EF4-FFF2-40B4-BE49-F238E27FC236}">
+                <a16:creationId xmlns:a16="http://schemas.microsoft.com/office/drawing/2014/main" id="{D894DA4B-13FE-49E5-AB3D-D4571F60E01B}"/>
+              </a:ext>
+            </a:extLst>
+          </p:cNvPr>
+          <p:cNvSpPr/>
+          <p:nvPr/>
+        </p:nvSpPr>
+        <p:spPr>
+          <a:xfrm>
+            <a:off x="5201083" y="7161838"/>
+            <a:ext cx="1305956" cy="274439"/>
+          </a:xfrm>
+          <a:prstGeom prst="rect">
+            <a:avLst/>
+          </a:prstGeom>
+          <a:solidFill>
+            <a:schemeClr val="bg1">
+              <a:lumMod val="85000"/>
+            </a:schemeClr>
+          </a:solidFill>
+          <a:ln>
+            <a:solidFill>
+              <a:schemeClr val="bg1">
+                <a:lumMod val="65000"/>
+              </a:schemeClr>
+            </a:solidFill>
+          </a:ln>
+        </p:spPr>
+        <p:style>
+          <a:lnRef idx="2">
+            <a:schemeClr val="accent1">
+              <a:shade val="50000"/>
+            </a:schemeClr>
+          </a:lnRef>
+          <a:fillRef idx="1">
+            <a:schemeClr val="accent1"/>
+          </a:fillRef>
+          <a:effectRef idx="0">
+            <a:schemeClr val="accent1"/>
+          </a:effectRef>
+          <a:fontRef idx="minor">
+            <a:schemeClr val="lt1"/>
+          </a:fontRef>
+        </p:style>
+        <p:txBody>
+          <a:bodyPr rtlCol="0" anchor="ctr"/>
+          <a:lstStyle/>
+          <a:p>
+            <a:pPr algn="ctr"/>
+            <a:r>
+              <a:rPr lang="fr-FR" sz="1400" dirty="0">
+                <a:solidFill>
+                  <a:schemeClr val="tx1"/>
+                </a:solidFill>
+              </a:rPr>
+              <a:t>Valider</a:t>
+            </a:r>
           </a:p>
         </p:txBody>
       </p:sp>
@@ -11424,9 +11684,9 @@
         <p:grpSpPr>
           <a:xfrm>
             <a:off x="195072" y="2122961"/>
-            <a:ext cx="6511742" cy="4303711"/>
+            <a:ext cx="6511742" cy="4485103"/>
             <a:chOff x="195072" y="2122961"/>
-            <a:chExt cx="6511742" cy="4303711"/>
+            <a:chExt cx="6511742" cy="4485103"/>
           </a:xfrm>
         </p:grpSpPr>
         <p:grpSp>
@@ -11444,9 +11704,9 @@
           <p:grpSpPr>
             <a:xfrm>
               <a:off x="195072" y="2122961"/>
-              <a:ext cx="6511742" cy="4303711"/>
+              <a:ext cx="6511742" cy="4485103"/>
               <a:chOff x="195072" y="2122961"/>
-              <a:chExt cx="6511742" cy="4303711"/>
+              <a:chExt cx="6511742" cy="4485103"/>
             </a:xfrm>
           </p:grpSpPr>
           <p:sp>
@@ -11464,7 +11724,7 @@
             <p:spPr>
               <a:xfrm>
                 <a:off x="195072" y="2122961"/>
-                <a:ext cx="6511742" cy="4303711"/>
+                <a:ext cx="6511742" cy="4485103"/>
               </a:xfrm>
               <a:prstGeom prst="rect">
                 <a:avLst/>
@@ -12137,6 +12397,71 @@
           </p:txBody>
         </p:sp>
       </p:grpSp>
+      <p:sp>
+        <p:nvSpPr>
+          <p:cNvPr id="37" name="Rectangle 36">
+            <a:extLst>
+              <a:ext uri="{FF2B5EF4-FFF2-40B4-BE49-F238E27FC236}">
+                <a16:creationId xmlns:a16="http://schemas.microsoft.com/office/drawing/2014/main" id="{F22E19E1-31E4-4720-BD69-4F0890507D34}"/>
+              </a:ext>
+            </a:extLst>
+          </p:cNvPr>
+          <p:cNvSpPr/>
+          <p:nvPr/>
+        </p:nvSpPr>
+        <p:spPr>
+          <a:xfrm>
+            <a:off x="5147614" y="6091729"/>
+            <a:ext cx="1305956" cy="274439"/>
+          </a:xfrm>
+          <a:prstGeom prst="rect">
+            <a:avLst/>
+          </a:prstGeom>
+          <a:solidFill>
+            <a:schemeClr val="bg1">
+              <a:lumMod val="85000"/>
+            </a:schemeClr>
+          </a:solidFill>
+          <a:ln>
+            <a:solidFill>
+              <a:schemeClr val="bg1">
+                <a:lumMod val="65000"/>
+              </a:schemeClr>
+            </a:solidFill>
+          </a:ln>
+        </p:spPr>
+        <p:style>
+          <a:lnRef idx="2">
+            <a:schemeClr val="accent1">
+              <a:shade val="50000"/>
+            </a:schemeClr>
+          </a:lnRef>
+          <a:fillRef idx="1">
+            <a:schemeClr val="accent1"/>
+          </a:fillRef>
+          <a:effectRef idx="0">
+            <a:schemeClr val="accent1"/>
+          </a:effectRef>
+          <a:fontRef idx="minor">
+            <a:schemeClr val="lt1"/>
+          </a:fontRef>
+        </p:style>
+        <p:txBody>
+          <a:bodyPr rtlCol="0" anchor="ctr"/>
+          <a:lstStyle/>
+          <a:p>
+            <a:pPr algn="ctr"/>
+            <a:r>
+              <a:rPr lang="fr-FR" sz="1400" dirty="0">
+                <a:solidFill>
+                  <a:schemeClr val="tx1"/>
+                </a:solidFill>
+              </a:rPr>
+              <a:t>Valider</a:t>
+            </a:r>
+          </a:p>
+        </p:txBody>
+      </p:sp>
     </p:spTree>
     <p:extLst>
       <p:ext uri="{BB962C8B-B14F-4D97-AF65-F5344CB8AC3E}">
@@ -14414,6 +14739,71 @@
                 </a:solidFill>
               </a:rPr>
               <a:t>Sélectionner les permissions</a:t>
+            </a:r>
+          </a:p>
+        </p:txBody>
+      </p:sp>
+      <p:sp>
+        <p:nvSpPr>
+          <p:cNvPr id="47" name="Rectangle 46">
+            <a:extLst>
+              <a:ext uri="{FF2B5EF4-FFF2-40B4-BE49-F238E27FC236}">
+                <a16:creationId xmlns:a16="http://schemas.microsoft.com/office/drawing/2014/main" id="{F7F8F37C-2630-4920-9E4C-28A19293717B}"/>
+              </a:ext>
+            </a:extLst>
+          </p:cNvPr>
+          <p:cNvSpPr/>
+          <p:nvPr/>
+        </p:nvSpPr>
+        <p:spPr>
+          <a:xfrm>
+            <a:off x="5306187" y="8405914"/>
+            <a:ext cx="1305956" cy="274439"/>
+          </a:xfrm>
+          <a:prstGeom prst="rect">
+            <a:avLst/>
+          </a:prstGeom>
+          <a:solidFill>
+            <a:schemeClr val="bg1">
+              <a:lumMod val="85000"/>
+            </a:schemeClr>
+          </a:solidFill>
+          <a:ln>
+            <a:solidFill>
+              <a:schemeClr val="bg1">
+                <a:lumMod val="65000"/>
+              </a:schemeClr>
+            </a:solidFill>
+          </a:ln>
+        </p:spPr>
+        <p:style>
+          <a:lnRef idx="2">
+            <a:schemeClr val="accent1">
+              <a:shade val="50000"/>
+            </a:schemeClr>
+          </a:lnRef>
+          <a:fillRef idx="1">
+            <a:schemeClr val="accent1"/>
+          </a:fillRef>
+          <a:effectRef idx="0">
+            <a:schemeClr val="accent1"/>
+          </a:effectRef>
+          <a:fontRef idx="minor">
+            <a:schemeClr val="lt1"/>
+          </a:fontRef>
+        </p:style>
+        <p:txBody>
+          <a:bodyPr rtlCol="0" anchor="ctr"/>
+          <a:lstStyle/>
+          <a:p>
+            <a:pPr algn="ctr"/>
+            <a:r>
+              <a:rPr lang="fr-FR" sz="1400" dirty="0">
+                <a:solidFill>
+                  <a:schemeClr val="tx1"/>
+                </a:solidFill>
+              </a:rPr>
+              <a:t>Valider</a:t>
             </a:r>
           </a:p>
         </p:txBody>
@@ -15979,6 +16369,71 @@
           </p:txBody>
         </p:sp>
       </p:grpSp>
+      <p:sp>
+        <p:nvSpPr>
+          <p:cNvPr id="37" name="Rectangle 36">
+            <a:extLst>
+              <a:ext uri="{FF2B5EF4-FFF2-40B4-BE49-F238E27FC236}">
+                <a16:creationId xmlns:a16="http://schemas.microsoft.com/office/drawing/2014/main" id="{7FEA8348-F33C-4630-9FB6-41A67D547741}"/>
+              </a:ext>
+            </a:extLst>
+          </p:cNvPr>
+          <p:cNvSpPr/>
+          <p:nvPr/>
+        </p:nvSpPr>
+        <p:spPr>
+          <a:xfrm>
+            <a:off x="5147614" y="6028772"/>
+            <a:ext cx="1305956" cy="274439"/>
+          </a:xfrm>
+          <a:prstGeom prst="rect">
+            <a:avLst/>
+          </a:prstGeom>
+          <a:solidFill>
+            <a:schemeClr val="bg1">
+              <a:lumMod val="85000"/>
+            </a:schemeClr>
+          </a:solidFill>
+          <a:ln>
+            <a:solidFill>
+              <a:schemeClr val="bg1">
+                <a:lumMod val="65000"/>
+              </a:schemeClr>
+            </a:solidFill>
+          </a:ln>
+        </p:spPr>
+        <p:style>
+          <a:lnRef idx="2">
+            <a:schemeClr val="accent1">
+              <a:shade val="50000"/>
+            </a:schemeClr>
+          </a:lnRef>
+          <a:fillRef idx="1">
+            <a:schemeClr val="accent1"/>
+          </a:fillRef>
+          <a:effectRef idx="0">
+            <a:schemeClr val="accent1"/>
+          </a:effectRef>
+          <a:fontRef idx="minor">
+            <a:schemeClr val="lt1"/>
+          </a:fontRef>
+        </p:style>
+        <p:txBody>
+          <a:bodyPr rtlCol="0" anchor="ctr"/>
+          <a:lstStyle/>
+          <a:p>
+            <a:pPr algn="ctr"/>
+            <a:r>
+              <a:rPr lang="fr-FR" sz="1400" dirty="0">
+                <a:solidFill>
+                  <a:schemeClr val="tx1"/>
+                </a:solidFill>
+              </a:rPr>
+              <a:t>Valider</a:t>
+            </a:r>
+          </a:p>
+        </p:txBody>
+      </p:sp>
     </p:spTree>
     <p:extLst>
       <p:ext uri="{BB962C8B-B14F-4D97-AF65-F5344CB8AC3E}">
@@ -18430,6 +18885,71 @@
           </a:p>
         </p:txBody>
       </p:sp>
+      <p:sp>
+        <p:nvSpPr>
+          <p:cNvPr id="28" name="Rectangle 27">
+            <a:extLst>
+              <a:ext uri="{FF2B5EF4-FFF2-40B4-BE49-F238E27FC236}">
+                <a16:creationId xmlns:a16="http://schemas.microsoft.com/office/drawing/2014/main" id="{8630434A-6F21-4378-8891-7DE037372525}"/>
+              </a:ext>
+            </a:extLst>
+          </p:cNvPr>
+          <p:cNvSpPr/>
+          <p:nvPr/>
+        </p:nvSpPr>
+        <p:spPr>
+          <a:xfrm>
+            <a:off x="5302107" y="8327076"/>
+            <a:ext cx="1305956" cy="274439"/>
+          </a:xfrm>
+          <a:prstGeom prst="rect">
+            <a:avLst/>
+          </a:prstGeom>
+          <a:solidFill>
+            <a:schemeClr val="bg1">
+              <a:lumMod val="85000"/>
+            </a:schemeClr>
+          </a:solidFill>
+          <a:ln>
+            <a:solidFill>
+              <a:schemeClr val="bg1">
+                <a:lumMod val="65000"/>
+              </a:schemeClr>
+            </a:solidFill>
+          </a:ln>
+        </p:spPr>
+        <p:style>
+          <a:lnRef idx="2">
+            <a:schemeClr val="accent1">
+              <a:shade val="50000"/>
+            </a:schemeClr>
+          </a:lnRef>
+          <a:fillRef idx="1">
+            <a:schemeClr val="accent1"/>
+          </a:fillRef>
+          <a:effectRef idx="0">
+            <a:schemeClr val="accent1"/>
+          </a:effectRef>
+          <a:fontRef idx="minor">
+            <a:schemeClr val="lt1"/>
+          </a:fontRef>
+        </p:style>
+        <p:txBody>
+          <a:bodyPr rtlCol="0" anchor="ctr"/>
+          <a:lstStyle/>
+          <a:p>
+            <a:pPr algn="ctr"/>
+            <a:r>
+              <a:rPr lang="fr-FR" sz="1400" dirty="0">
+                <a:solidFill>
+                  <a:schemeClr val="tx1"/>
+                </a:solidFill>
+              </a:rPr>
+              <a:t>Valider</a:t>
+            </a:r>
+          </a:p>
+        </p:txBody>
+      </p:sp>
     </p:spTree>
     <p:extLst>
       <p:ext uri="{BB962C8B-B14F-4D97-AF65-F5344CB8AC3E}">
@@ -19475,6 +19995,71 @@
           </p:spPr>
         </p:pic>
       </p:grpSp>
+      <p:sp>
+        <p:nvSpPr>
+          <p:cNvPr id="4" name="Rectangle 3">
+            <a:extLst>
+              <a:ext uri="{FF2B5EF4-FFF2-40B4-BE49-F238E27FC236}">
+                <a16:creationId xmlns:a16="http://schemas.microsoft.com/office/drawing/2014/main" id="{6E29CC0C-E518-4EED-948E-28E2D0FC0401}"/>
+              </a:ext>
+            </a:extLst>
+          </p:cNvPr>
+          <p:cNvSpPr/>
+          <p:nvPr/>
+        </p:nvSpPr>
+        <p:spPr>
+          <a:xfrm>
+            <a:off x="4101194" y="4416496"/>
+            <a:ext cx="1305956" cy="274439"/>
+          </a:xfrm>
+          <a:prstGeom prst="rect">
+            <a:avLst/>
+          </a:prstGeom>
+          <a:solidFill>
+            <a:schemeClr val="bg1">
+              <a:lumMod val="85000"/>
+            </a:schemeClr>
+          </a:solidFill>
+          <a:ln>
+            <a:solidFill>
+              <a:schemeClr val="bg1">
+                <a:lumMod val="65000"/>
+              </a:schemeClr>
+            </a:solidFill>
+          </a:ln>
+        </p:spPr>
+        <p:style>
+          <a:lnRef idx="2">
+            <a:schemeClr val="accent1">
+              <a:shade val="50000"/>
+            </a:schemeClr>
+          </a:lnRef>
+          <a:fillRef idx="1">
+            <a:schemeClr val="accent1"/>
+          </a:fillRef>
+          <a:effectRef idx="0">
+            <a:schemeClr val="accent1"/>
+          </a:effectRef>
+          <a:fontRef idx="minor">
+            <a:schemeClr val="lt1"/>
+          </a:fontRef>
+        </p:style>
+        <p:txBody>
+          <a:bodyPr rtlCol="0" anchor="ctr"/>
+          <a:lstStyle/>
+          <a:p>
+            <a:pPr algn="ctr"/>
+            <a:r>
+              <a:rPr lang="fr-FR" sz="1400" dirty="0">
+                <a:solidFill>
+                  <a:schemeClr val="tx1"/>
+                </a:solidFill>
+              </a:rPr>
+              <a:t>Valider</a:t>
+            </a:r>
+          </a:p>
+        </p:txBody>
+      </p:sp>
     </p:spTree>
     <p:extLst>
       <p:ext uri="{BB962C8B-B14F-4D97-AF65-F5344CB8AC3E}">
@@ -21155,6 +21740,71 @@
           </p:spPr>
         </p:pic>
       </p:grpSp>
+      <p:sp>
+        <p:nvSpPr>
+          <p:cNvPr id="39" name="Rectangle 38">
+            <a:extLst>
+              <a:ext uri="{FF2B5EF4-FFF2-40B4-BE49-F238E27FC236}">
+                <a16:creationId xmlns:a16="http://schemas.microsoft.com/office/drawing/2014/main" id="{CF703326-2470-465D-91A5-E803A1DCA63D}"/>
+              </a:ext>
+            </a:extLst>
+          </p:cNvPr>
+          <p:cNvSpPr/>
+          <p:nvPr/>
+        </p:nvSpPr>
+        <p:spPr>
+          <a:xfrm>
+            <a:off x="5201083" y="6959880"/>
+            <a:ext cx="1305956" cy="274439"/>
+          </a:xfrm>
+          <a:prstGeom prst="rect">
+            <a:avLst/>
+          </a:prstGeom>
+          <a:solidFill>
+            <a:schemeClr val="bg1">
+              <a:lumMod val="85000"/>
+            </a:schemeClr>
+          </a:solidFill>
+          <a:ln>
+            <a:solidFill>
+              <a:schemeClr val="bg1">
+                <a:lumMod val="65000"/>
+              </a:schemeClr>
+            </a:solidFill>
+          </a:ln>
+        </p:spPr>
+        <p:style>
+          <a:lnRef idx="2">
+            <a:schemeClr val="accent1">
+              <a:shade val="50000"/>
+            </a:schemeClr>
+          </a:lnRef>
+          <a:fillRef idx="1">
+            <a:schemeClr val="accent1"/>
+          </a:fillRef>
+          <a:effectRef idx="0">
+            <a:schemeClr val="accent1"/>
+          </a:effectRef>
+          <a:fontRef idx="minor">
+            <a:schemeClr val="lt1"/>
+          </a:fontRef>
+        </p:style>
+        <p:txBody>
+          <a:bodyPr rtlCol="0" anchor="ctr"/>
+          <a:lstStyle/>
+          <a:p>
+            <a:pPr algn="ctr"/>
+            <a:r>
+              <a:rPr lang="fr-FR" sz="1400" dirty="0">
+                <a:solidFill>
+                  <a:schemeClr val="tx1"/>
+                </a:solidFill>
+              </a:rPr>
+              <a:t>Valider</a:t>
+            </a:r>
+          </a:p>
+        </p:txBody>
+      </p:sp>
     </p:spTree>
     <p:extLst>
       <p:ext uri="{BB962C8B-B14F-4D97-AF65-F5344CB8AC3E}">
@@ -22835,6 +23485,71 @@
           </p:spPr>
         </p:pic>
       </p:grpSp>
+      <p:sp>
+        <p:nvSpPr>
+          <p:cNvPr id="42" name="Rectangle 41">
+            <a:extLst>
+              <a:ext uri="{FF2B5EF4-FFF2-40B4-BE49-F238E27FC236}">
+                <a16:creationId xmlns:a16="http://schemas.microsoft.com/office/drawing/2014/main" id="{C384D313-F291-4012-8894-715D0F8795B0}"/>
+              </a:ext>
+            </a:extLst>
+          </p:cNvPr>
+          <p:cNvSpPr/>
+          <p:nvPr/>
+        </p:nvSpPr>
+        <p:spPr>
+          <a:xfrm>
+            <a:off x="5201083" y="6959880"/>
+            <a:ext cx="1305956" cy="274439"/>
+          </a:xfrm>
+          <a:prstGeom prst="rect">
+            <a:avLst/>
+          </a:prstGeom>
+          <a:solidFill>
+            <a:schemeClr val="bg1">
+              <a:lumMod val="85000"/>
+            </a:schemeClr>
+          </a:solidFill>
+          <a:ln>
+            <a:solidFill>
+              <a:schemeClr val="bg1">
+                <a:lumMod val="65000"/>
+              </a:schemeClr>
+            </a:solidFill>
+          </a:ln>
+        </p:spPr>
+        <p:style>
+          <a:lnRef idx="2">
+            <a:schemeClr val="accent1">
+              <a:shade val="50000"/>
+            </a:schemeClr>
+          </a:lnRef>
+          <a:fillRef idx="1">
+            <a:schemeClr val="accent1"/>
+          </a:fillRef>
+          <a:effectRef idx="0">
+            <a:schemeClr val="accent1"/>
+          </a:effectRef>
+          <a:fontRef idx="minor">
+            <a:schemeClr val="lt1"/>
+          </a:fontRef>
+        </p:style>
+        <p:txBody>
+          <a:bodyPr rtlCol="0" anchor="ctr"/>
+          <a:lstStyle/>
+          <a:p>
+            <a:pPr algn="ctr"/>
+            <a:r>
+              <a:rPr lang="fr-FR" sz="1400" dirty="0">
+                <a:solidFill>
+                  <a:schemeClr val="tx1"/>
+                </a:solidFill>
+              </a:rPr>
+              <a:t>Valider</a:t>
+            </a:r>
+          </a:p>
+        </p:txBody>
+      </p:sp>
     </p:spTree>
     <p:extLst>
       <p:ext uri="{BB962C8B-B14F-4D97-AF65-F5344CB8AC3E}">
@@ -23532,7 +24247,7 @@
         <p:spPr>
           <a:xfrm>
             <a:off x="151184" y="3854697"/>
-            <a:ext cx="6511742" cy="3524003"/>
+            <a:ext cx="6511742" cy="3815135"/>
           </a:xfrm>
           <a:prstGeom prst="rect">
             <a:avLst/>
@@ -24853,6 +25568,71 @@
           </p:spPr>
         </p:pic>
       </p:grpSp>
+      <p:sp>
+        <p:nvSpPr>
+          <p:cNvPr id="49" name="Rectangle 48">
+            <a:extLst>
+              <a:ext uri="{FF2B5EF4-FFF2-40B4-BE49-F238E27FC236}">
+                <a16:creationId xmlns:a16="http://schemas.microsoft.com/office/drawing/2014/main" id="{3ABA5633-E3B2-46C2-89A0-A64AF66A0413}"/>
+              </a:ext>
+            </a:extLst>
+          </p:cNvPr>
+          <p:cNvSpPr/>
+          <p:nvPr/>
+        </p:nvSpPr>
+        <p:spPr>
+          <a:xfrm>
+            <a:off x="5200378" y="7238016"/>
+            <a:ext cx="1305956" cy="274439"/>
+          </a:xfrm>
+          <a:prstGeom prst="rect">
+            <a:avLst/>
+          </a:prstGeom>
+          <a:solidFill>
+            <a:schemeClr val="bg1">
+              <a:lumMod val="85000"/>
+            </a:schemeClr>
+          </a:solidFill>
+          <a:ln>
+            <a:solidFill>
+              <a:schemeClr val="bg1">
+                <a:lumMod val="65000"/>
+              </a:schemeClr>
+            </a:solidFill>
+          </a:ln>
+        </p:spPr>
+        <p:style>
+          <a:lnRef idx="2">
+            <a:schemeClr val="accent1">
+              <a:shade val="50000"/>
+            </a:schemeClr>
+          </a:lnRef>
+          <a:fillRef idx="1">
+            <a:schemeClr val="accent1"/>
+          </a:fillRef>
+          <a:effectRef idx="0">
+            <a:schemeClr val="accent1"/>
+          </a:effectRef>
+          <a:fontRef idx="minor">
+            <a:schemeClr val="lt1"/>
+          </a:fontRef>
+        </p:style>
+        <p:txBody>
+          <a:bodyPr rtlCol="0" anchor="ctr"/>
+          <a:lstStyle/>
+          <a:p>
+            <a:pPr algn="ctr"/>
+            <a:r>
+              <a:rPr lang="fr-FR" sz="1400" dirty="0">
+                <a:solidFill>
+                  <a:schemeClr val="tx1"/>
+                </a:solidFill>
+              </a:rPr>
+              <a:t>Valider</a:t>
+            </a:r>
+          </a:p>
+        </p:txBody>
+      </p:sp>
     </p:spTree>
     <p:extLst>
       <p:ext uri="{BB962C8B-B14F-4D97-AF65-F5344CB8AC3E}">
@@ -28268,6 +29048,71 @@
           </p:txBody>
         </p:sp>
       </p:grpSp>
+      <p:sp>
+        <p:nvSpPr>
+          <p:cNvPr id="33" name="Rectangle 32">
+            <a:extLst>
+              <a:ext uri="{FF2B5EF4-FFF2-40B4-BE49-F238E27FC236}">
+                <a16:creationId xmlns:a16="http://schemas.microsoft.com/office/drawing/2014/main" id="{9367460C-9B06-433A-B8AE-5B4D239503E2}"/>
+              </a:ext>
+            </a:extLst>
+          </p:cNvPr>
+          <p:cNvSpPr/>
+          <p:nvPr/>
+        </p:nvSpPr>
+        <p:spPr>
+          <a:xfrm>
+            <a:off x="5201083" y="5865860"/>
+            <a:ext cx="1305956" cy="274439"/>
+          </a:xfrm>
+          <a:prstGeom prst="rect">
+            <a:avLst/>
+          </a:prstGeom>
+          <a:solidFill>
+            <a:schemeClr val="bg1">
+              <a:lumMod val="85000"/>
+            </a:schemeClr>
+          </a:solidFill>
+          <a:ln>
+            <a:solidFill>
+              <a:schemeClr val="bg1">
+                <a:lumMod val="65000"/>
+              </a:schemeClr>
+            </a:solidFill>
+          </a:ln>
+        </p:spPr>
+        <p:style>
+          <a:lnRef idx="2">
+            <a:schemeClr val="accent1">
+              <a:shade val="50000"/>
+            </a:schemeClr>
+          </a:lnRef>
+          <a:fillRef idx="1">
+            <a:schemeClr val="accent1"/>
+          </a:fillRef>
+          <a:effectRef idx="0">
+            <a:schemeClr val="accent1"/>
+          </a:effectRef>
+          <a:fontRef idx="minor">
+            <a:schemeClr val="lt1"/>
+          </a:fontRef>
+        </p:style>
+        <p:txBody>
+          <a:bodyPr rtlCol="0" anchor="ctr"/>
+          <a:lstStyle/>
+          <a:p>
+            <a:pPr algn="ctr"/>
+            <a:r>
+              <a:rPr lang="fr-FR" sz="1400" dirty="0">
+                <a:solidFill>
+                  <a:schemeClr val="tx1"/>
+                </a:solidFill>
+              </a:rPr>
+              <a:t>Valider</a:t>
+            </a:r>
+          </a:p>
+        </p:txBody>
+      </p:sp>
     </p:spTree>
     <p:extLst>
       <p:ext uri="{BB962C8B-B14F-4D97-AF65-F5344CB8AC3E}">
@@ -29108,7 +29953,7 @@
         <p:spPr>
           <a:xfrm>
             <a:off x="195072" y="2122961"/>
-            <a:ext cx="6511742" cy="5234297"/>
+            <a:ext cx="6511742" cy="5509231"/>
           </a:xfrm>
           <a:prstGeom prst="rect">
             <a:avLst/>
@@ -30004,6 +30849,71 @@
           <a:p>
             <a:pPr algn="ctr"/>
             <a:endParaRPr lang="fr-FR" dirty="0"/>
+          </a:p>
+        </p:txBody>
+      </p:sp>
+      <p:sp>
+        <p:nvSpPr>
+          <p:cNvPr id="40" name="Rectangle 39">
+            <a:extLst>
+              <a:ext uri="{FF2B5EF4-FFF2-40B4-BE49-F238E27FC236}">
+                <a16:creationId xmlns:a16="http://schemas.microsoft.com/office/drawing/2014/main" id="{8135335D-E32A-4B48-8ACD-E67E65906701}"/>
+              </a:ext>
+            </a:extLst>
+          </p:cNvPr>
+          <p:cNvSpPr/>
+          <p:nvPr/>
+        </p:nvSpPr>
+        <p:spPr>
+          <a:xfrm>
+            <a:off x="5161713" y="7164711"/>
+            <a:ext cx="1305956" cy="274439"/>
+          </a:xfrm>
+          <a:prstGeom prst="rect">
+            <a:avLst/>
+          </a:prstGeom>
+          <a:solidFill>
+            <a:schemeClr val="bg1">
+              <a:lumMod val="85000"/>
+            </a:schemeClr>
+          </a:solidFill>
+          <a:ln>
+            <a:solidFill>
+              <a:schemeClr val="bg1">
+                <a:lumMod val="65000"/>
+              </a:schemeClr>
+            </a:solidFill>
+          </a:ln>
+        </p:spPr>
+        <p:style>
+          <a:lnRef idx="2">
+            <a:schemeClr val="accent1">
+              <a:shade val="50000"/>
+            </a:schemeClr>
+          </a:lnRef>
+          <a:fillRef idx="1">
+            <a:schemeClr val="accent1"/>
+          </a:fillRef>
+          <a:effectRef idx="0">
+            <a:schemeClr val="accent1"/>
+          </a:effectRef>
+          <a:fontRef idx="minor">
+            <a:schemeClr val="lt1"/>
+          </a:fontRef>
+        </p:style>
+        <p:txBody>
+          <a:bodyPr rtlCol="0" anchor="ctr"/>
+          <a:lstStyle/>
+          <a:p>
+            <a:pPr algn="ctr"/>
+            <a:r>
+              <a:rPr lang="fr-FR" sz="1400" dirty="0">
+                <a:solidFill>
+                  <a:schemeClr val="tx1"/>
+                </a:solidFill>
+              </a:rPr>
+              <a:t>Valider</a:t>
+            </a:r>
           </a:p>
         </p:txBody>
       </p:sp>
@@ -30847,9 +31757,9 @@
         <p:grpSpPr>
           <a:xfrm>
             <a:off x="195072" y="2122961"/>
-            <a:ext cx="6511742" cy="4303711"/>
+            <a:ext cx="6511742" cy="4485103"/>
             <a:chOff x="195072" y="2122961"/>
-            <a:chExt cx="6511742" cy="4303711"/>
+            <a:chExt cx="6511742" cy="4485103"/>
           </a:xfrm>
         </p:grpSpPr>
         <p:grpSp>
@@ -30867,9 +31777,9 @@
           <p:grpSpPr>
             <a:xfrm>
               <a:off x="195072" y="2122961"/>
-              <a:ext cx="6511742" cy="4303711"/>
+              <a:ext cx="6511742" cy="4485103"/>
               <a:chOff x="195072" y="2122961"/>
-              <a:chExt cx="6511742" cy="4303711"/>
+              <a:chExt cx="6511742" cy="4485103"/>
             </a:xfrm>
           </p:grpSpPr>
           <p:sp>
@@ -30887,7 +31797,7 @@
             <p:spPr>
               <a:xfrm>
                 <a:off x="195072" y="2122961"/>
-                <a:ext cx="6511742" cy="4303711"/>
+                <a:ext cx="6511742" cy="4485103"/>
               </a:xfrm>
               <a:prstGeom prst="rect">
                 <a:avLst/>
@@ -31492,6 +32402,71 @@
           </p:txBody>
         </p:sp>
       </p:grpSp>
+      <p:sp>
+        <p:nvSpPr>
+          <p:cNvPr id="37" name="Rectangle 36">
+            <a:extLst>
+              <a:ext uri="{FF2B5EF4-FFF2-40B4-BE49-F238E27FC236}">
+                <a16:creationId xmlns:a16="http://schemas.microsoft.com/office/drawing/2014/main" id="{4FEB5A00-D5E7-4456-BF8F-E310322133B2}"/>
+              </a:ext>
+            </a:extLst>
+          </p:cNvPr>
+          <p:cNvSpPr/>
+          <p:nvPr/>
+        </p:nvSpPr>
+        <p:spPr>
+          <a:xfrm>
+            <a:off x="5088504" y="6079550"/>
+            <a:ext cx="1305956" cy="274439"/>
+          </a:xfrm>
+          <a:prstGeom prst="rect">
+            <a:avLst/>
+          </a:prstGeom>
+          <a:solidFill>
+            <a:schemeClr val="bg1">
+              <a:lumMod val="85000"/>
+            </a:schemeClr>
+          </a:solidFill>
+          <a:ln>
+            <a:solidFill>
+              <a:schemeClr val="bg1">
+                <a:lumMod val="65000"/>
+              </a:schemeClr>
+            </a:solidFill>
+          </a:ln>
+        </p:spPr>
+        <p:style>
+          <a:lnRef idx="2">
+            <a:schemeClr val="accent1">
+              <a:shade val="50000"/>
+            </a:schemeClr>
+          </a:lnRef>
+          <a:fillRef idx="1">
+            <a:schemeClr val="accent1"/>
+          </a:fillRef>
+          <a:effectRef idx="0">
+            <a:schemeClr val="accent1"/>
+          </a:effectRef>
+          <a:fontRef idx="minor">
+            <a:schemeClr val="lt1"/>
+          </a:fontRef>
+        </p:style>
+        <p:txBody>
+          <a:bodyPr rtlCol="0" anchor="ctr"/>
+          <a:lstStyle/>
+          <a:p>
+            <a:pPr algn="ctr"/>
+            <a:r>
+              <a:rPr lang="fr-FR" sz="1400" dirty="0">
+                <a:solidFill>
+                  <a:schemeClr val="tx1"/>
+                </a:solidFill>
+              </a:rPr>
+              <a:t>Valider</a:t>
+            </a:r>
+          </a:p>
+        </p:txBody>
+      </p:sp>
     </p:spTree>
     <p:extLst>
       <p:ext uri="{BB962C8B-B14F-4D97-AF65-F5344CB8AC3E}">

--- a/Mockup.pptx
+++ b/Mockup.pptx
@@ -332,7 +332,7 @@
           <a:p>
             <a:fld id="{D64B3271-3423-4682-8196-9C5C90F352AB}" type="datetimeFigureOut">
               <a:rPr lang="fr-FR" smtClean="0"/>
-              <a:t>17/03/2021</a:t>
+              <a:t>23/03/2021</a:t>
             </a:fld>
             <a:endParaRPr lang="fr-FR"/>
           </a:p>
@@ -502,7 +502,7 @@
           <a:p>
             <a:fld id="{D64B3271-3423-4682-8196-9C5C90F352AB}" type="datetimeFigureOut">
               <a:rPr lang="fr-FR" smtClean="0"/>
-              <a:t>17/03/2021</a:t>
+              <a:t>23/03/2021</a:t>
             </a:fld>
             <a:endParaRPr lang="fr-FR"/>
           </a:p>
@@ -682,7 +682,7 @@
           <a:p>
             <a:fld id="{D64B3271-3423-4682-8196-9C5C90F352AB}" type="datetimeFigureOut">
               <a:rPr lang="fr-FR" smtClean="0"/>
-              <a:t>17/03/2021</a:t>
+              <a:t>23/03/2021</a:t>
             </a:fld>
             <a:endParaRPr lang="fr-FR"/>
           </a:p>
@@ -852,7 +852,7 @@
           <a:p>
             <a:fld id="{D64B3271-3423-4682-8196-9C5C90F352AB}" type="datetimeFigureOut">
               <a:rPr lang="fr-FR" smtClean="0"/>
-              <a:t>17/03/2021</a:t>
+              <a:t>23/03/2021</a:t>
             </a:fld>
             <a:endParaRPr lang="fr-FR"/>
           </a:p>
@@ -1096,7 +1096,7 @@
           <a:p>
             <a:fld id="{D64B3271-3423-4682-8196-9C5C90F352AB}" type="datetimeFigureOut">
               <a:rPr lang="fr-FR" smtClean="0"/>
-              <a:t>17/03/2021</a:t>
+              <a:t>23/03/2021</a:t>
             </a:fld>
             <a:endParaRPr lang="fr-FR"/>
           </a:p>
@@ -1328,7 +1328,7 @@
           <a:p>
             <a:fld id="{D64B3271-3423-4682-8196-9C5C90F352AB}" type="datetimeFigureOut">
               <a:rPr lang="fr-FR" smtClean="0"/>
-              <a:t>17/03/2021</a:t>
+              <a:t>23/03/2021</a:t>
             </a:fld>
             <a:endParaRPr lang="fr-FR"/>
           </a:p>
@@ -1695,7 +1695,7 @@
           <a:p>
             <a:fld id="{D64B3271-3423-4682-8196-9C5C90F352AB}" type="datetimeFigureOut">
               <a:rPr lang="fr-FR" smtClean="0"/>
-              <a:t>17/03/2021</a:t>
+              <a:t>23/03/2021</a:t>
             </a:fld>
             <a:endParaRPr lang="fr-FR"/>
           </a:p>
@@ -1813,7 +1813,7 @@
           <a:p>
             <a:fld id="{D64B3271-3423-4682-8196-9C5C90F352AB}" type="datetimeFigureOut">
               <a:rPr lang="fr-FR" smtClean="0"/>
-              <a:t>17/03/2021</a:t>
+              <a:t>23/03/2021</a:t>
             </a:fld>
             <a:endParaRPr lang="fr-FR"/>
           </a:p>
@@ -1908,7 +1908,7 @@
           <a:p>
             <a:fld id="{D64B3271-3423-4682-8196-9C5C90F352AB}" type="datetimeFigureOut">
               <a:rPr lang="fr-FR" smtClean="0"/>
-              <a:t>17/03/2021</a:t>
+              <a:t>23/03/2021</a:t>
             </a:fld>
             <a:endParaRPr lang="fr-FR"/>
           </a:p>
@@ -2185,7 +2185,7 @@
           <a:p>
             <a:fld id="{D64B3271-3423-4682-8196-9C5C90F352AB}" type="datetimeFigureOut">
               <a:rPr lang="fr-FR" smtClean="0"/>
-              <a:t>17/03/2021</a:t>
+              <a:t>23/03/2021</a:t>
             </a:fld>
             <a:endParaRPr lang="fr-FR"/>
           </a:p>
@@ -2442,7 +2442,7 @@
           <a:p>
             <a:fld id="{D64B3271-3423-4682-8196-9C5C90F352AB}" type="datetimeFigureOut">
               <a:rPr lang="fr-FR" smtClean="0"/>
-              <a:t>17/03/2021</a:t>
+              <a:t>23/03/2021</a:t>
             </a:fld>
             <a:endParaRPr lang="fr-FR"/>
           </a:p>
@@ -2655,7 +2655,7 @@
           <a:p>
             <a:fld id="{D64B3271-3423-4682-8196-9C5C90F352AB}" type="datetimeFigureOut">
               <a:rPr lang="fr-FR" smtClean="0"/>
-              <a:t>17/03/2021</a:t>
+              <a:t>23/03/2021</a:t>
             </a:fld>
             <a:endParaRPr lang="fr-FR"/>
           </a:p>
@@ -21125,8 +21125,8 @@
         </p:nvSpPr>
         <p:spPr>
           <a:xfrm>
-            <a:off x="3756261" y="5765215"/>
-            <a:ext cx="2427852" cy="338554"/>
+            <a:off x="3776009" y="5566071"/>
+            <a:ext cx="2427852" cy="584775"/>
           </a:xfrm>
           <a:prstGeom prst="rect">
             <a:avLst/>
@@ -21146,7 +21146,7 @@
                   <a:schemeClr val="bg1"/>
                 </a:solidFill>
               </a:rPr>
-              <a:t>Compétences recherchées:</a:t>
+              <a:t>Nombre de stagiaires déjà acceptés</a:t>
             </a:r>
           </a:p>
         </p:txBody>
@@ -24300,10 +24300,10 @@
         </p:nvGrpSpPr>
         <p:grpSpPr>
           <a:xfrm>
-            <a:off x="612280" y="4120201"/>
-            <a:ext cx="5445021" cy="2928527"/>
-            <a:chOff x="573258" y="3997105"/>
-            <a:chExt cx="5445021" cy="2928527"/>
+            <a:off x="612280" y="3944977"/>
+            <a:ext cx="5445021" cy="3103751"/>
+            <a:chOff x="573258" y="3821881"/>
+            <a:chExt cx="5445021" cy="3103751"/>
           </a:xfrm>
         </p:grpSpPr>
         <p:sp>
@@ -24656,8 +24656,8 @@
           </p:nvSpPr>
           <p:spPr>
             <a:xfrm>
-              <a:off x="3661063" y="4007386"/>
-              <a:ext cx="2357216" cy="338554"/>
+              <a:off x="3661063" y="3821881"/>
+              <a:ext cx="2357216" cy="584775"/>
             </a:xfrm>
             <a:prstGeom prst="rect">
               <a:avLst/>
@@ -24677,7 +24677,7 @@
                     <a:schemeClr val="bg1"/>
                   </a:solidFill>
                 </a:rPr>
-                <a:t>Durée du stage:</a:t>
+                <a:t>Nombre de places offertes aux étudiants</a:t>
               </a:r>
             </a:p>
           </p:txBody>
@@ -27897,6 +27897,9 @@
             <a:chOff x="0" y="-29806"/>
             <a:chExt cx="6858002" cy="843505"/>
           </a:xfrm>
+          <a:solidFill>
+            <a:srgbClr val="353E4E"/>
+          </a:solidFill>
         </p:grpSpPr>
         <p:grpSp>
           <p:nvGrpSpPr>
@@ -27917,6 +27920,7 @@
               <a:chOff x="0" y="-29806"/>
               <a:chExt cx="6858002" cy="843505"/>
             </a:xfrm>
+            <a:grpFill/>
           </p:grpSpPr>
           <p:sp>
             <p:nvSpPr>
@@ -27938,9 +27942,7 @@
               <a:prstGeom prst="rect">
                 <a:avLst/>
               </a:prstGeom>
-              <a:solidFill>
-                <a:srgbClr val="353E4E"/>
-              </a:solidFill>
+              <a:grpFill/>
               <a:ln>
                 <a:solidFill>
                   <a:srgbClr val="353E4E"/>
@@ -27992,7 +27994,7 @@
               <a:prstGeom prst="rect">
                 <a:avLst/>
               </a:prstGeom>
-              <a:noFill/>
+              <a:grpFill/>
             </p:spPr>
             <p:txBody>
               <a:bodyPr wrap="square" rtlCol="0">
@@ -28039,7 +28041,7 @@
               <a:prstGeom prst="rect">
                 <a:avLst/>
               </a:prstGeom>
-              <a:noFill/>
+              <a:grpFill/>
             </p:spPr>
             <p:txBody>
               <a:bodyPr wrap="square" rtlCol="0">
@@ -28081,6 +28083,7 @@
               <a:prstGeom prst="line">
                 <a:avLst/>
               </a:prstGeom>
+              <a:grpFill/>
             </p:spPr>
             <p:style>
               <a:lnRef idx="1">
@@ -28141,6 +28144,7 @@
               <a:prstGeom prst="rect">
                 <a:avLst/>
               </a:prstGeom>
+              <a:grpFill/>
             </p:spPr>
           </p:pic>
           <p:cxnSp>
@@ -28165,6 +28169,7 @@
               <a:prstGeom prst="line">
                 <a:avLst/>
               </a:prstGeom>
+              <a:grpFill/>
             </p:spPr>
             <p:style>
               <a:lnRef idx="1">
@@ -28203,6 +28208,7 @@
               <a:prstGeom prst="line">
                 <a:avLst/>
               </a:prstGeom>
+              <a:grpFill/>
             </p:spPr>
             <p:style>
               <a:lnRef idx="1">
@@ -28239,7 +28245,7 @@
               <a:prstGeom prst="rect">
                 <a:avLst/>
               </a:prstGeom>
-              <a:noFill/>
+              <a:grpFill/>
             </p:spPr>
             <p:txBody>
               <a:bodyPr wrap="square" rtlCol="0">
@@ -28281,6 +28287,7 @@
               <a:prstGeom prst="line">
                 <a:avLst/>
               </a:prstGeom>
+              <a:grpFill/>
             </p:spPr>
             <p:style>
               <a:lnRef idx="1">
@@ -28317,7 +28324,7 @@
               <a:prstGeom prst="rect">
                 <a:avLst/>
               </a:prstGeom>
-              <a:noFill/>
+              <a:grpFill/>
             </p:spPr>
             <p:txBody>
               <a:bodyPr wrap="square" rtlCol="0">
@@ -28359,6 +28366,7 @@
               <a:prstGeom prst="line">
                 <a:avLst/>
               </a:prstGeom>
+              <a:grpFill/>
             </p:spPr>
             <p:style>
               <a:lnRef idx="1">
@@ -28395,9 +28403,7 @@
               <a:prstGeom prst="triangle">
                 <a:avLst/>
               </a:prstGeom>
-              <a:solidFill>
-                <a:schemeClr val="bg1"/>
-              </a:solidFill>
+              <a:grpFill/>
               <a:ln>
                 <a:solidFill>
                   <a:schemeClr val="bg1"/>
@@ -28464,6 +28470,7 @@
             <a:prstGeom prst="rect">
               <a:avLst/>
             </a:prstGeom>
+            <a:grpFill/>
           </p:spPr>
         </p:pic>
       </p:grpSp>
@@ -30873,15 +30880,11 @@
             <a:avLst/>
           </a:prstGeom>
           <a:solidFill>
-            <a:schemeClr val="bg1">
-              <a:lumMod val="85000"/>
-            </a:schemeClr>
+            <a:srgbClr val="D9D9D9"/>
           </a:solidFill>
           <a:ln>
             <a:solidFill>
-              <a:schemeClr val="bg1">
-                <a:lumMod val="65000"/>
-              </a:schemeClr>
+              <a:srgbClr val="A6A6A6"/>
             </a:solidFill>
           </a:ln>
         </p:spPr>
